--- a/src/Others/slides/impl0.pptx
+++ b/src/Others/slides/impl0.pptx
@@ -123,6 +123,18 @@
     </p:ext>
   </p:extLst>
 </p:presentation>
+</file>
+
+<file path=ppt/commentAuthors.xml><?xml version="1.0" encoding="utf-8"?>
+<p:cmAuthorLst xmlns:a="http://schemas.openxmlformats.org/drawingml/2006/main" xmlns:r="http://schemas.openxmlformats.org/officeDocument/2006/relationships" xmlns:p="http://schemas.openxmlformats.org/presentationml/2006/main">
+  <p:cmAuthor id="1" name="ZhaoWanghongxuan" initials="Z" lastIdx="1" clrIdx="0">
+    <p:extLst>
+      <p:ext uri="{19B8F6BF-5375-455C-9EA6-DF929625EA0E}">
+        <p15:presenceInfo xmlns:p15="http://schemas.microsoft.com/office/powerpoint/2012/main" userId="ZhaoWanghongxuan" providerId="None"/>
+      </p:ext>
+    </p:extLst>
+  </p:cmAuthor>
+</p:cmAuthorLst>
 </file>
 
 <file path=ppt/diagrams/colors1.xml><?xml version="1.0" encoding="utf-8"?>
@@ -7005,8 +7017,8 @@
           </p:sp>
         </mc:Fallback>
       </mc:AlternateContent>
-      <mc:AlternateContent xmlns:mc="http://schemas.openxmlformats.org/markup-compatibility/2006">
-        <mc:Choice xmlns:a14="http://schemas.microsoft.com/office/drawing/2010/main" Requires="a14">
+      <mc:AlternateContent xmlns:mc="http://schemas.openxmlformats.org/markup-compatibility/2006" xmlns:a14="http://schemas.microsoft.com/office/drawing/2010/main">
+        <mc:Choice Requires="a14">
           <p:sp>
             <p:nvSpPr>
               <p:cNvPr id="3" name="Content Placeholder 2">
@@ -7251,7 +7263,7 @@
             </p:txBody>
           </p:sp>
         </mc:Choice>
-        <mc:Fallback>
+        <mc:Fallback xmlns="">
           <p:sp>
             <p:nvSpPr>
               <p:cNvPr id="3" name="Content Placeholder 2">
@@ -7459,8 +7471,8 @@
           </p:sp>
         </mc:Fallback>
       </mc:AlternateContent>
-      <mc:AlternateContent xmlns:mc="http://schemas.openxmlformats.org/markup-compatibility/2006">
-        <mc:Choice xmlns:a14="http://schemas.microsoft.com/office/drawing/2010/main" Requires="a14">
+      <mc:AlternateContent xmlns:mc="http://schemas.openxmlformats.org/markup-compatibility/2006" xmlns:a14="http://schemas.microsoft.com/office/drawing/2010/main">
+        <mc:Choice Requires="a14">
           <p:sp>
             <p:nvSpPr>
               <p:cNvPr id="3" name="Content Placeholder 2">
@@ -8209,13 +8221,7 @@
                           <a:rPr lang="en-US" sz="2400" b="0" i="0" smtClean="0">
                             <a:latin typeface="Cambria Math" panose="02040503050406030204" pitchFamily="18" charset="0"/>
                           </a:rPr>
-                          <m:t>,</m:t>
-                        </m:r>
-                        <m:r>
-                          <a:rPr lang="en-US" sz="2400" b="0" i="0" smtClean="0">
-                            <a:latin typeface="Cambria Math" panose="02040503050406030204" pitchFamily="18" charset="0"/>
-                          </a:rPr>
-                          <m:t> </m:t>
+                          <m:t>, </m:t>
                         </m:r>
                         <m:r>
                           <a:rPr lang="en-US" sz="2400" b="0" i="1" smtClean="0">
@@ -8294,7 +8300,7 @@
                     <m:f>
                       <m:fPr>
                         <m:ctrlPr>
-                          <a:rPr lang="en-US" sz="2400">
+                          <a:rPr lang="en-US" sz="2400" i="1">
                             <a:latin typeface="Cambria Math" panose="02040503050406030204" pitchFamily="18" charset="0"/>
                           </a:rPr>
                         </m:ctrlPr>
@@ -8309,7 +8315,7 @@
                         <m:sSub>
                           <m:sSubPr>
                             <m:ctrlPr>
-                              <a:rPr lang="en-US" sz="2400">
+                              <a:rPr lang="en-US" sz="2400" i="1">
                                 <a:latin typeface="Cambria Math" panose="02040503050406030204" pitchFamily="18" charset="0"/>
                               </a:rPr>
                             </m:ctrlPr>
@@ -8403,7 +8409,7 @@
                         <m:sSub>
                           <m:sSubPr>
                             <m:ctrlPr>
-                              <a:rPr lang="en-US" sz="2400">
+                              <a:rPr lang="en-US" sz="2400" i="1">
                                 <a:latin typeface="Cambria Math" panose="02040503050406030204" pitchFamily="18" charset="0"/>
                               </a:rPr>
                             </m:ctrlPr>
@@ -8434,7 +8440,7 @@
                         <m:sSub>
                           <m:sSubPr>
                             <m:ctrlPr>
-                              <a:rPr lang="en-US" sz="2400">
+                              <a:rPr lang="en-US" sz="2400" i="1">
                                 <a:latin typeface="Cambria Math" panose="02040503050406030204" pitchFamily="18" charset="0"/>
                               </a:rPr>
                             </m:ctrlPr>
@@ -8489,7 +8495,7 @@
                         <m:sSubSup>
                           <m:sSubSupPr>
                             <m:ctrlPr>
-                              <a:rPr lang="en-US" sz="2400">
+                              <a:rPr lang="en-US" sz="2400" i="1">
                                 <a:latin typeface="Cambria Math" panose="02040503050406030204" pitchFamily="18" charset="0"/>
                               </a:rPr>
                             </m:ctrlPr>
@@ -8530,7 +8536,7 @@
                         <m:sSub>
                           <m:sSubPr>
                             <m:ctrlPr>
-                              <a:rPr lang="en-US" sz="2400">
+                              <a:rPr lang="en-US" sz="2400" i="1">
                                 <a:latin typeface="Cambria Math" panose="02040503050406030204" pitchFamily="18" charset="0"/>
                               </a:rPr>
                             </m:ctrlPr>
@@ -8597,7 +8603,7 @@
                         <m:sSub>
                           <m:sSubPr>
                             <m:ctrlPr>
-                              <a:rPr lang="en-US" sz="2400">
+                              <a:rPr lang="en-US" sz="2400" i="1">
                                 <a:latin typeface="Cambria Math" panose="02040503050406030204" pitchFamily="18" charset="0"/>
                               </a:rPr>
                             </m:ctrlPr>
@@ -8640,7 +8646,7 @@
                         <m:sSub>
                           <m:sSubPr>
                             <m:ctrlPr>
-                              <a:rPr lang="en-US" sz="2400">
+                              <a:rPr lang="en-US" sz="2400" i="1">
                                 <a:latin typeface="Cambria Math" panose="02040503050406030204" pitchFamily="18" charset="0"/>
                               </a:rPr>
                             </m:ctrlPr>
@@ -8683,7 +8689,7 @@
                         <m:sSubSup>
                           <m:sSubSupPr>
                             <m:ctrlPr>
-                              <a:rPr lang="en-US" sz="2400">
+                              <a:rPr lang="en-US" sz="2400" i="1">
                                 <a:latin typeface="Cambria Math" panose="02040503050406030204" pitchFamily="18" charset="0"/>
                               </a:rPr>
                             </m:ctrlPr>
@@ -9330,7 +9336,7 @@
             </p:txBody>
           </p:sp>
         </mc:Choice>
-        <mc:Fallback>
+        <mc:Fallback xmlns="">
           <p:sp>
             <p:nvSpPr>
               <p:cNvPr id="3" name="Content Placeholder 2">
@@ -9374,8 +9380,8 @@
           </p:sp>
         </mc:Fallback>
       </mc:AlternateContent>
-      <mc:AlternateContent xmlns:mc="http://schemas.openxmlformats.org/markup-compatibility/2006">
-        <mc:Choice xmlns:a14="http://schemas.microsoft.com/office/drawing/2010/main" Requires="a14">
+      <mc:AlternateContent xmlns:mc="http://schemas.openxmlformats.org/markup-compatibility/2006" xmlns:a14="http://schemas.microsoft.com/office/drawing/2010/main">
+        <mc:Choice Requires="a14">
           <p:sp>
             <p:nvSpPr>
               <p:cNvPr id="4" name="TextBox 3">
@@ -9524,7 +9530,7 @@
             </p:txBody>
           </p:sp>
         </mc:Choice>
-        <mc:Fallback>
+        <mc:Fallback xmlns="">
           <p:sp>
             <p:nvSpPr>
               <p:cNvPr id="4" name="TextBox 3">
@@ -9778,8 +9784,8 @@
           </p:sp>
         </mc:Fallback>
       </mc:AlternateContent>
-      <mc:AlternateContent xmlns:mc="http://schemas.openxmlformats.org/markup-compatibility/2006">
-        <mc:Choice xmlns:a14="http://schemas.microsoft.com/office/drawing/2010/main" Requires="a14">
+      <mc:AlternateContent xmlns:mc="http://schemas.openxmlformats.org/markup-compatibility/2006" xmlns:a14="http://schemas.microsoft.com/office/drawing/2010/main">
+        <mc:Choice Requires="a14">
           <p:sp>
             <p:nvSpPr>
               <p:cNvPr id="3" name="Content Placeholder 2">
@@ -11769,13 +11775,7 @@
                             <a:rPr lang="en-US" sz="1800" b="0" i="1" smtClean="0">
                               <a:latin typeface="Cambria Math" panose="02040503050406030204" pitchFamily="18" charset="0"/>
                             </a:rPr>
-                            <m:t>𝑖𝑠</m:t>
-                          </m:r>
-                          <m:r>
-                            <a:rPr lang="en-US" sz="1800" b="0" i="1" smtClean="0">
-                              <a:latin typeface="Cambria Math" panose="02040503050406030204" pitchFamily="18" charset="0"/>
-                            </a:rPr>
-                            <m:t>𝑖𝑛𝑠𝑡𝑎𝑛𝑐𝑒</m:t>
+                            <m:t>𝑖𝑠𝑖𝑛𝑠𝑡𝑎𝑛𝑐𝑒</m:t>
                           </m:r>
                           <m:d>
                             <m:dPr>
@@ -11928,7 +11928,7 @@
             </p:txBody>
           </p:sp>
         </mc:Choice>
-        <mc:Fallback>
+        <mc:Fallback xmlns="">
           <p:sp>
             <p:nvSpPr>
               <p:cNvPr id="3" name="Content Placeholder 2">
@@ -11972,8 +11972,8 @@
           </p:sp>
         </mc:Fallback>
       </mc:AlternateContent>
-      <mc:AlternateContent xmlns:mc="http://schemas.openxmlformats.org/markup-compatibility/2006">
-        <mc:Choice xmlns:a14="http://schemas.microsoft.com/office/drawing/2010/main" Requires="a14">
+      <mc:AlternateContent xmlns:mc="http://schemas.openxmlformats.org/markup-compatibility/2006" xmlns:a14="http://schemas.microsoft.com/office/drawing/2010/main">
+        <mc:Choice Requires="a14">
           <p:sp>
             <p:nvSpPr>
               <p:cNvPr id="4" name="TextBox 3">
@@ -12145,7 +12145,7 @@
             </p:txBody>
           </p:sp>
         </mc:Choice>
-        <mc:Fallback>
+        <mc:Fallback xmlns="">
           <p:sp>
             <p:nvSpPr>
               <p:cNvPr id="4" name="TextBox 3">
@@ -12571,8 +12571,8 @@
           </p:sp>
         </mc:Fallback>
       </mc:AlternateContent>
-      <mc:AlternateContent xmlns:mc="http://schemas.openxmlformats.org/markup-compatibility/2006">
-        <mc:Choice xmlns:a14="http://schemas.microsoft.com/office/drawing/2010/main" Requires="a14">
+      <mc:AlternateContent xmlns:mc="http://schemas.openxmlformats.org/markup-compatibility/2006" xmlns:a14="http://schemas.microsoft.com/office/drawing/2010/main">
+        <mc:Choice Requires="a14">
           <p:sp>
             <p:nvSpPr>
               <p:cNvPr id="3" name="Content Placeholder 2">
@@ -13493,7 +13493,7 @@
             </p:txBody>
           </p:sp>
         </mc:Choice>
-        <mc:Fallback>
+        <mc:Fallback xmlns="">
           <p:sp>
             <p:nvSpPr>
               <p:cNvPr id="3" name="Content Placeholder 2">
@@ -13537,8 +13537,8 @@
           </p:sp>
         </mc:Fallback>
       </mc:AlternateContent>
-      <mc:AlternateContent xmlns:mc="http://schemas.openxmlformats.org/markup-compatibility/2006">
-        <mc:Choice xmlns:a14="http://schemas.microsoft.com/office/drawing/2010/main" Requires="a14">
+      <mc:AlternateContent xmlns:mc="http://schemas.openxmlformats.org/markup-compatibility/2006" xmlns:a14="http://schemas.microsoft.com/office/drawing/2010/main">
+        <mc:Choice Requires="a14">
           <p:sp>
             <p:nvSpPr>
               <p:cNvPr id="4" name="TextBox 3">
@@ -13597,7 +13597,7 @@
             </p:txBody>
           </p:sp>
         </mc:Choice>
-        <mc:Fallback>
+        <mc:Fallback xmlns="">
           <p:sp>
             <p:nvSpPr>
               <p:cNvPr id="4" name="TextBox 3">
@@ -17910,6 +17910,98 @@
       </p:grpSpPr>
       <p:sp>
         <p:nvSpPr>
+          <p:cNvPr id="9" name="Rectangle 8">
+            <a:extLst>
+              <a:ext uri="{FF2B5EF4-FFF2-40B4-BE49-F238E27FC236}">
+                <a16:creationId xmlns:a16="http://schemas.microsoft.com/office/drawing/2014/main" id="{4C608BEB-860E-4094-8511-78603564A75E}"/>
+              </a:ext>
+              <a:ext uri="{C183D7F6-B498-43B3-948B-1728B52AA6E4}">
+                <adec:decorative xmlns:adec="http://schemas.microsoft.com/office/drawing/2017/decorative" val="1"/>
+              </a:ext>
+            </a:extLst>
+          </p:cNvPr>
+          <p:cNvSpPr>
+            <a:spLocks noGrp="1" noRot="1" noChangeAspect="1" noMove="1" noResize="1" noEditPoints="1" noAdjustHandles="1" noChangeArrowheads="1" noChangeShapeType="1" noTextEdit="1"/>
+          </p:cNvSpPr>
+          <p:nvPr>
+            <p:extLst>
+              <p:ext uri="{386F3935-93C4-4BCD-93E2-E3B085C9AB24}">
+                <p16:designElem xmlns:p16="http://schemas.microsoft.com/office/powerpoint/2015/main" val="1"/>
+              </p:ext>
+            </p:extLst>
+          </p:nvPr>
+        </p:nvSpPr>
+        <p:spPr>
+          <a:xfrm>
+            <a:off x="0" y="0"/>
+            <a:ext cx="4059050" cy="6858000"/>
+          </a:xfrm>
+          <a:prstGeom prst="rect">
+            <a:avLst/>
+          </a:prstGeom>
+          <a:solidFill>
+            <a:srgbClr val="404040"/>
+          </a:solidFill>
+          <a:ln>
+            <a:noFill/>
+          </a:ln>
+        </p:spPr>
+        <p:style>
+          <a:lnRef idx="2">
+            <a:schemeClr val="accent1">
+              <a:shade val="50000"/>
+            </a:schemeClr>
+          </a:lnRef>
+          <a:fillRef idx="1">
+            <a:schemeClr val="accent1"/>
+          </a:fillRef>
+          <a:effectRef idx="0">
+            <a:schemeClr val="accent1"/>
+          </a:effectRef>
+          <a:fontRef idx="minor">
+            <a:schemeClr val="lt1"/>
+          </a:fontRef>
+        </p:style>
+        <p:txBody>
+          <a:bodyPr rtlCol="0" anchor="ctr"/>
+          <a:lstStyle/>
+          <a:p>
+            <a:pPr marL="0" marR="0" lvl="0" indent="0" algn="ctr" defTabSz="914400" rtl="0" eaLnBrk="1" fontAlgn="auto" latinLnBrk="0" hangingPunct="1">
+              <a:lnSpc>
+                <a:spcPct val="100000"/>
+              </a:lnSpc>
+              <a:spcBef>
+                <a:spcPts val="0"/>
+              </a:spcBef>
+              <a:spcAft>
+                <a:spcPts val="0"/>
+              </a:spcAft>
+              <a:buClrTx/>
+              <a:buSzTx/>
+              <a:buFontTx/>
+              <a:buNone/>
+              <a:tabLst/>
+              <a:defRPr/>
+            </a:pPr>
+            <a:endParaRPr kumimoji="0" lang="en-US" sz="1800" b="0" i="0" u="none" strike="noStrike" kern="1200" cap="none" spc="0" normalizeH="0" baseline="0" noProof="0">
+              <a:ln>
+                <a:noFill/>
+              </a:ln>
+              <a:solidFill>
+                <a:prstClr val="white"/>
+              </a:solidFill>
+              <a:effectLst/>
+              <a:uLnTx/>
+              <a:uFillTx/>
+              <a:latin typeface="Calibri" panose="020F0502020204030204"/>
+              <a:ea typeface="+mn-ea"/>
+              <a:cs typeface="+mn-cs"/>
+            </a:endParaRPr>
+          </a:p>
+        </p:txBody>
+      </p:sp>
+      <p:sp>
+        <p:nvSpPr>
           <p:cNvPr id="2" name="Title 1">
             <a:extLst>
               <a:ext uri="{FF2B5EF4-FFF2-40B4-BE49-F238E27FC236}">
@@ -17926,26 +18018,32 @@
         </p:nvSpPr>
         <p:spPr>
           <a:xfrm>
-            <a:off x="838200" y="365125"/>
-            <a:ext cx="10515600" cy="1325563"/>
+            <a:off x="135266" y="2830078"/>
+            <a:ext cx="3602123" cy="4363844"/>
           </a:xfrm>
         </p:spPr>
         <p:txBody>
-          <a:bodyPr>
+          <a:bodyPr vert="horz" lIns="91440" tIns="45720" rIns="91440" bIns="45720" rtlCol="0" anchor="t">
             <a:normAutofit/>
           </a:bodyPr>
           <a:lstStyle/>
           <a:p>
-            <a:pPr algn="ctr"/>
             <a:r>
-              <a:rPr lang="en-US" sz="4000" dirty="0"/>
+              <a:rPr lang="en-US" sz="4000" kern="1200" dirty="0">
+                <a:solidFill>
+                  <a:srgbClr val="FFFFFF"/>
+                </a:solidFill>
+                <a:latin typeface="+mj-lt"/>
+                <a:ea typeface="+mj-ea"/>
+                <a:cs typeface="+mj-cs"/>
+              </a:rPr>
               <a:t>Types in DYNJIT</a:t>
             </a:r>
           </a:p>
         </p:txBody>
       </p:sp>
-      <mc:AlternateContent xmlns:mc="http://schemas.openxmlformats.org/markup-compatibility/2006" xmlns:a14="http://schemas.microsoft.com/office/drawing/2010/main">
-        <mc:Choice Requires="a14">
+      <mc:AlternateContent xmlns:mc="http://schemas.openxmlformats.org/markup-compatibility/2006">
+        <mc:Choice xmlns:a14="http://schemas.microsoft.com/office/drawing/2010/main" Requires="a14">
           <p:sp>
             <p:nvSpPr>
               <p:cNvPr id="3" name="Content Placeholder 2">
@@ -17964,13 +18062,13 @@
             </p:nvSpPr>
             <p:spPr>
               <a:xfrm>
-                <a:off x="2248581" y="2000249"/>
-                <a:ext cx="7694839" cy="4176713"/>
+                <a:off x="4380855" y="1412489"/>
+                <a:ext cx="3427283" cy="4363844"/>
               </a:xfrm>
             </p:spPr>
             <p:txBody>
-              <a:bodyPr>
-                <a:normAutofit/>
+              <a:bodyPr vert="horz" lIns="91440" tIns="45720" rIns="91440" bIns="45720" rtlCol="0">
+                <a:noAutofit/>
               </a:bodyPr>
               <a:lstStyle/>
               <a:p>
@@ -17980,95 +18078,82 @@
                 <a14:m>
                   <m:oMath xmlns:m="http://schemas.openxmlformats.org/officeDocument/2006/math">
                     <m:r>
-                      <a:rPr lang="en-US" sz="2000" b="1" i="1" smtClean="0">
+                      <a:rPr lang="en-US" sz="1600" b="1" i="1">
                         <a:latin typeface="Cambria Math" panose="02040503050406030204" pitchFamily="18" charset="0"/>
-                        <a:ea typeface="Cambria Math" panose="02040503050406030204" pitchFamily="18" charset="0"/>
                       </a:rPr>
                       <m:t>𝒕𝒚𝒑𝒆</m:t>
                     </m:r>
                     <m:r>
-                      <a:rPr lang="en-US" sz="2000" b="1" i="1" smtClean="0">
+                      <a:rPr lang="en-US" sz="1600" b="1" i="1">
                         <a:latin typeface="Cambria Math" panose="02040503050406030204" pitchFamily="18" charset="0"/>
-                        <a:ea typeface="Cambria Math" panose="02040503050406030204" pitchFamily="18" charset="0"/>
                       </a:rPr>
                       <m:t> </m:t>
                     </m:r>
                     <m:r>
-                      <a:rPr lang="en-US" sz="2000" b="0" i="1" smtClean="0">
+                      <a:rPr lang="en-US" sz="1600" b="0" i="1">
                         <a:latin typeface="Cambria Math" panose="02040503050406030204" pitchFamily="18" charset="0"/>
-                        <a:ea typeface="Cambria Math" panose="02040503050406030204" pitchFamily="18" charset="0"/>
                       </a:rPr>
                       <m:t>      </m:t>
                     </m:r>
                     <m:r>
-                      <a:rPr lang="en-US" sz="2000" b="0" i="1">
+                      <a:rPr lang="en-US" sz="1600" b="0" i="1">
                         <a:latin typeface="Cambria Math" panose="02040503050406030204" pitchFamily="18" charset="0"/>
-                        <a:ea typeface="Cambria Math" panose="02040503050406030204" pitchFamily="18" charset="0"/>
                       </a:rPr>
                       <m:t>𝑇𝑢𝑝𝑙𝑒𝑇</m:t>
                     </m:r>
                     <m:r>
-                      <a:rPr lang="en-US" sz="2000" b="0" i="1">
+                      <a:rPr lang="en-US" sz="1600" b="0" i="1">
                         <a:latin typeface="Cambria Math" panose="02040503050406030204" pitchFamily="18" charset="0"/>
-                        <a:ea typeface="Cambria Math" panose="02040503050406030204" pitchFamily="18" charset="0"/>
                       </a:rPr>
                       <m:t> </m:t>
                     </m:r>
                     <m:r>
-                      <a:rPr lang="en-US" sz="2000" b="1" i="1">
+                      <a:rPr lang="en-US" sz="1600" b="1" i="1">
                         <a:latin typeface="Cambria Math" panose="02040503050406030204" pitchFamily="18" charset="0"/>
-                        <a:ea typeface="Cambria Math" panose="02040503050406030204" pitchFamily="18" charset="0"/>
                       </a:rPr>
                       <m:t> </m:t>
                     </m:r>
                     <m:r>
-                      <a:rPr lang="en-US" sz="2000" b="1" i="1">
+                      <a:rPr lang="en-US" sz="1600" b="1" i="1">
                         <a:latin typeface="Cambria Math" panose="02040503050406030204" pitchFamily="18" charset="0"/>
-                        <a:ea typeface="Cambria Math" panose="02040503050406030204" pitchFamily="18" charset="0"/>
                       </a:rPr>
                       <m:t>𝒕𝒚𝒑</m:t>
                     </m:r>
                     <m:sSup>
                       <m:sSupPr>
                         <m:ctrlPr>
-                          <a:rPr lang="en-US" sz="2000" b="0" i="1">
+                          <a:rPr lang="en-US" sz="1600" b="0" i="1">
                             <a:latin typeface="Cambria Math" panose="02040503050406030204" pitchFamily="18" charset="0"/>
-                            <a:ea typeface="Cambria Math" panose="02040503050406030204" pitchFamily="18" charset="0"/>
                           </a:rPr>
                         </m:ctrlPr>
                       </m:sSupPr>
                       <m:e>
                         <m:r>
-                          <a:rPr lang="en-US" sz="2000" b="1" i="1">
+                          <a:rPr lang="en-US" sz="1600" b="1" i="1">
                             <a:latin typeface="Cambria Math" panose="02040503050406030204" pitchFamily="18" charset="0"/>
-                            <a:ea typeface="Cambria Math" panose="02040503050406030204" pitchFamily="18" charset="0"/>
                           </a:rPr>
                           <m:t>𝒆</m:t>
                         </m:r>
                       </m:e>
                       <m:sup>
                         <m:r>
-                          <a:rPr lang="en-US" sz="2000" b="0" i="1">
+                          <a:rPr lang="en-US" sz="1600" b="0" i="1">
                             <a:latin typeface="Cambria Math" panose="02040503050406030204" pitchFamily="18" charset="0"/>
-                            <a:ea typeface="Cambria Math" panose="02040503050406030204" pitchFamily="18" charset="0"/>
                           </a:rPr>
                           <m:t>∗</m:t>
                         </m:r>
                       </m:sup>
                     </m:sSup>
                     <m:r>
-                      <a:rPr lang="en-US" sz="2000" b="0" i="1">
+                      <a:rPr lang="en-US" sz="1600" b="0" i="1">
                         <a:latin typeface="Cambria Math" panose="02040503050406030204" pitchFamily="18" charset="0"/>
-                        <a:ea typeface="Cambria Math" panose="02040503050406030204" pitchFamily="18" charset="0"/>
                       </a:rPr>
                       <m:t>  </m:t>
                     </m:r>
                   </m:oMath>
                 </a14:m>
                 <a:r>
-                  <a:rPr lang="en-US" sz="2000" dirty="0">
-                    <a:ea typeface="Cambria Math" panose="02040503050406030204" pitchFamily="18" charset="0"/>
-                  </a:rPr>
+                  <a:rPr lang="en-US" sz="1600" dirty="0"/>
                   <a:t>    </a:t>
                 </a:r>
               </a:p>
@@ -18077,106 +18162,96 @@
                   <a:buNone/>
                 </a:pPr>
                 <a:r>
-                  <a:rPr lang="en-US" sz="2000" dirty="0">
-                    <a:ea typeface="Cambria Math" panose="02040503050406030204" pitchFamily="18" charset="0"/>
-                  </a:rPr>
+                  <a:rPr lang="en-US" sz="1600" dirty="0"/>
                   <a:t>	</a:t>
                 </a:r>
                 <a14:m>
                   <m:oMath xmlns:m="http://schemas.openxmlformats.org/officeDocument/2006/math">
                     <m:r>
-                      <a:rPr lang="en-US" sz="2000" b="0" i="1">
+                      <a:rPr lang="en-US" sz="1600" b="0" i="1">
                         <a:latin typeface="Cambria Math" panose="02040503050406030204" pitchFamily="18" charset="0"/>
-                        <a:ea typeface="Cambria Math" panose="02040503050406030204" pitchFamily="18" charset="0"/>
                       </a:rPr>
                       <m:t>|  </m:t>
                     </m:r>
                     <m:r>
-                      <a:rPr lang="en-US" sz="2000" i="1">
+                      <a:rPr lang="en-US" sz="1600" i="1">
                         <a:latin typeface="Cambria Math" panose="02040503050406030204" pitchFamily="18" charset="0"/>
-                        <a:ea typeface="Cambria Math" panose="02040503050406030204" pitchFamily="18" charset="0"/>
                       </a:rPr>
                       <m:t>𝑇𝑦𝑝𝑒𝑇</m:t>
                     </m:r>
                     <m:r>
-                      <a:rPr lang="en-US" sz="2000" i="1">
+                      <a:rPr lang="en-US" sz="1600" i="1">
                         <a:latin typeface="Cambria Math" panose="02040503050406030204" pitchFamily="18" charset="0"/>
-                        <a:ea typeface="Cambria Math" panose="02040503050406030204" pitchFamily="18" charset="0"/>
                       </a:rPr>
                       <m:t> </m:t>
                     </m:r>
                     <m:r>
-                      <a:rPr lang="en-US" sz="2000" b="1" i="1">
+                      <a:rPr lang="en-US" sz="1600" b="1" i="1">
                         <a:latin typeface="Cambria Math" panose="02040503050406030204" pitchFamily="18" charset="0"/>
-                        <a:ea typeface="Cambria Math" panose="02040503050406030204" pitchFamily="18" charset="0"/>
                       </a:rPr>
                       <m:t>𝒕𝒚𝒑𝒆</m:t>
                     </m:r>
                   </m:oMath>
                 </a14:m>
-                <a:endParaRPr lang="en-US" sz="2000" b="1" dirty="0">
-                  <a:ea typeface="Cambria Math" panose="02040503050406030204" pitchFamily="18" charset="0"/>
-                </a:endParaRPr>
+                <a:endParaRPr lang="en-US" sz="1600" b="1" dirty="0"/>
               </a:p>
               <a:p>
                 <a:pPr marL="0" indent="0">
                   <a:buNone/>
                 </a:pPr>
                 <a:r>
-                  <a:rPr lang="en-US" sz="2000" b="1" dirty="0">
-                    <a:ea typeface="Cambria Math" panose="02040503050406030204" pitchFamily="18" charset="0"/>
-                  </a:rPr>
+                  <a:rPr lang="en-US" sz="1600" b="1" dirty="0"/>
                   <a:t>	</a:t>
                 </a:r>
                 <a:r>
-                  <a:rPr lang="en-US" sz="2000" dirty="0">
-                    <a:ea typeface="Cambria Math" panose="02040503050406030204" pitchFamily="18" charset="0"/>
-                  </a:rPr>
-                  <a:t>| </a:t>
+                  <a:rPr lang="en-US" sz="1600" dirty="0"/>
+                  <a:t>|</a:t>
+                </a:r>
+              </a:p>
+              <a:p>
+                <a:pPr marL="0" indent="0">
+                  <a:buNone/>
+                </a:pPr>
+                <a:r>
+                  <a:rPr lang="en-US" sz="1600" dirty="0"/>
+                  <a:t> </a:t>
                 </a:r>
                 <a14:m>
                   <m:oMath xmlns:m="http://schemas.openxmlformats.org/officeDocument/2006/math">
                     <m:r>
-                      <a:rPr lang="en-US" sz="2000" i="1">
+                      <a:rPr lang="en-US" sz="1600" i="1">
                         <a:latin typeface="Cambria Math" panose="02040503050406030204" pitchFamily="18" charset="0"/>
-                        <a:ea typeface="Cambria Math" panose="02040503050406030204" pitchFamily="18" charset="0"/>
                       </a:rPr>
                       <m:t>𝑁𝑜𝑚𝑖𝑛𝑎𝑙𝑇</m:t>
                     </m:r>
                     <m:r>
-                      <a:rPr lang="en-US" sz="2000" b="0" i="1">
+                      <a:rPr lang="en-US" sz="1600" b="0" i="1">
                         <a:latin typeface="Cambria Math" panose="02040503050406030204" pitchFamily="18" charset="0"/>
-                        <a:ea typeface="Cambria Math" panose="02040503050406030204" pitchFamily="18" charset="0"/>
                       </a:rPr>
                       <m:t>  </m:t>
                     </m:r>
                     <m:r>
-                      <a:rPr lang="en-US" sz="2000" b="1" i="1">
+                      <a:rPr lang="en-US" sz="1600" b="1" i="1">
                         <a:latin typeface="Cambria Math" panose="02040503050406030204" pitchFamily="18" charset="0"/>
-                        <a:ea typeface="Cambria Math" panose="02040503050406030204" pitchFamily="18" charset="0"/>
                       </a:rPr>
                       <m:t>𝒕𝒚𝒑𝒆𝒏𝒂𝒎𝒆</m:t>
                     </m:r>
                     <m:r>
-                      <a:rPr lang="en-US" sz="2000" b="1" i="1">
+                      <a:rPr lang="en-US" sz="1600" b="1" i="1">
                         <a:latin typeface="Cambria Math" panose="02040503050406030204" pitchFamily="18" charset="0"/>
-                        <a:ea typeface="Cambria Math" panose="02040503050406030204" pitchFamily="18" charset="0"/>
                       </a:rPr>
                       <m:t>  </m:t>
                     </m:r>
                     <m:r>
-                      <a:rPr lang="en-US" sz="2000" b="1" i="1">
+                      <a:rPr lang="en-US" sz="1600" b="1" i="1">
                         <a:latin typeface="Cambria Math" panose="02040503050406030204" pitchFamily="18" charset="0"/>
-                        <a:ea typeface="Cambria Math" panose="02040503050406030204" pitchFamily="18" charset="0"/>
                       </a:rPr>
                       <m:t>𝒂𝒔𝒔𝒖𝒎𝒑𝒕𝒊𝒐𝒏𝒔</m:t>
                     </m:r>
                   </m:oMath>
                 </a14:m>
                 <a:r>
-                  <a:rPr lang="en-US" sz="2000" dirty="0">
-                    <a:ea typeface="Cambria Math" panose="02040503050406030204" pitchFamily="18" charset="0"/>
-                  </a:rPr>
+                  <a:rPr lang="en-US" sz="1600" dirty="0"/>
                   <a:t> </a:t>
                 </a:r>
               </a:p>
@@ -18185,270 +18260,221 @@
                   <a:buNone/>
                 </a:pPr>
                 <a:r>
-                  <a:rPr lang="en-US" sz="2000" dirty="0">
-                    <a:ea typeface="Cambria Math" panose="02040503050406030204" pitchFamily="18" charset="0"/>
-                  </a:rPr>
+                  <a:rPr lang="en-US" sz="1600" dirty="0"/>
                   <a:t>	|</a:t>
                 </a:r>
                 <a:r>
-                  <a:rPr lang="en-US" sz="2000" b="1" dirty="0">
-                    <a:ea typeface="Cambria Math" panose="02040503050406030204" pitchFamily="18" charset="0"/>
-                  </a:rPr>
+                  <a:rPr lang="en-US" sz="1600" b="1" dirty="0"/>
                   <a:t> </a:t>
                 </a:r>
                 <a14:m>
                   <m:oMath xmlns:m="http://schemas.openxmlformats.org/officeDocument/2006/math">
                     <m:r>
-                      <a:rPr lang="en-US" sz="2000" b="1" i="0">
+                      <a:rPr lang="en-US" sz="1600" b="1" i="0">
                         <a:latin typeface="Cambria Math" panose="02040503050406030204" pitchFamily="18" charset="0"/>
-                        <a:ea typeface="Cambria Math" panose="02040503050406030204" pitchFamily="18" charset="0"/>
                       </a:rPr>
                       <m:t>(</m:t>
                     </m:r>
                     <m:r>
-                      <a:rPr lang="en-US" sz="2000" b="1" i="1">
+                      <a:rPr lang="en-US" sz="1600" b="1" i="1">
                         <a:latin typeface="Cambria Math" panose="02040503050406030204" pitchFamily="18" charset="0"/>
-                        <a:ea typeface="Cambria Math" panose="02040503050406030204" pitchFamily="18" charset="0"/>
                       </a:rPr>
                       <m:t>𝒕𝒚𝒑𝒆</m:t>
                     </m:r>
                     <m:r>
-                      <a:rPr lang="en-US" sz="2000" b="1" i="1">
+                      <a:rPr lang="en-US" sz="1600" b="1" i="1">
                         <a:latin typeface="Cambria Math" panose="02040503050406030204" pitchFamily="18" charset="0"/>
-                        <a:ea typeface="Cambria Math" panose="02040503050406030204" pitchFamily="18" charset="0"/>
                       </a:rPr>
                       <m:t> | </m:t>
                     </m:r>
                     <m:r>
-                      <a:rPr lang="en-US" sz="2000" b="1" i="1">
+                      <a:rPr lang="en-US" sz="1600" b="1" i="1">
                         <a:latin typeface="Cambria Math" panose="02040503050406030204" pitchFamily="18" charset="0"/>
-                        <a:ea typeface="Cambria Math" panose="02040503050406030204" pitchFamily="18" charset="0"/>
                       </a:rPr>
                       <m:t>𝒕𝒚𝒑𝒆</m:t>
                     </m:r>
                     <m:r>
-                      <a:rPr lang="en-US" sz="2000" b="1" i="1">
+                      <a:rPr lang="en-US" sz="1600" b="1" i="1">
                         <a:latin typeface="Cambria Math" panose="02040503050406030204" pitchFamily="18" charset="0"/>
-                        <a:ea typeface="Cambria Math" panose="02040503050406030204" pitchFamily="18" charset="0"/>
                       </a:rPr>
                       <m:t>)</m:t>
                     </m:r>
                   </m:oMath>
                 </a14:m>
-                <a:endParaRPr lang="en-US" sz="2000" b="1" dirty="0">
-                  <a:ea typeface="Cambria Math" panose="02040503050406030204" pitchFamily="18" charset="0"/>
-                </a:endParaRPr>
+                <a:endParaRPr lang="en-US" sz="1600" b="1" dirty="0"/>
               </a:p>
               <a:p>
                 <a:pPr marL="0" indent="0">
                   <a:buNone/>
                 </a:pPr>
                 <a:r>
-                  <a:rPr lang="en-US" sz="2000" dirty="0">
-                    <a:ea typeface="Cambria Math" panose="02040503050406030204" pitchFamily="18" charset="0"/>
-                  </a:rPr>
+                  <a:rPr lang="en-US" sz="1600" dirty="0"/>
                   <a:t>	| </a:t>
                 </a:r>
                 <a14:m>
                   <m:oMath xmlns:m="http://schemas.openxmlformats.org/officeDocument/2006/math">
                     <m:r>
-                      <a:rPr lang="en-US" sz="2000" i="1">
+                      <a:rPr lang="en-US" sz="1600" i="1">
                         <a:latin typeface="Cambria Math" panose="02040503050406030204" pitchFamily="18" charset="0"/>
-                        <a:ea typeface="Cambria Math" panose="02040503050406030204" pitchFamily="18" charset="0"/>
                       </a:rPr>
                       <m:t>𝐹𝑃𝑡𝑟</m:t>
                     </m:r>
                     <m:r>
-                      <a:rPr lang="en-US" sz="2000" b="0" i="1">
+                      <a:rPr lang="en-US" sz="1600" b="0" i="1">
                         <a:latin typeface="Cambria Math" panose="02040503050406030204" pitchFamily="18" charset="0"/>
-                        <a:ea typeface="Cambria Math" panose="02040503050406030204" pitchFamily="18" charset="0"/>
                       </a:rPr>
                       <m:t>𝑇</m:t>
                     </m:r>
                     <m:r>
-                      <a:rPr lang="en-US" sz="2000" b="0" i="1">
+                      <a:rPr lang="en-US" sz="1600" b="0" i="1">
                         <a:latin typeface="Cambria Math" panose="02040503050406030204" pitchFamily="18" charset="0"/>
-                        <a:ea typeface="Cambria Math" panose="02040503050406030204" pitchFamily="18" charset="0"/>
                       </a:rPr>
                       <m:t> </m:t>
                     </m:r>
                     <m:r>
-                      <a:rPr lang="en-US" sz="2000" b="1" i="1">
+                      <a:rPr lang="en-US" sz="1600" b="1" i="1">
                         <a:latin typeface="Cambria Math" panose="02040503050406030204" pitchFamily="18" charset="0"/>
-                        <a:ea typeface="Cambria Math" panose="02040503050406030204" pitchFamily="18" charset="0"/>
                       </a:rPr>
                       <m:t>𝒊𝒏𝒕</m:t>
                     </m:r>
                     <m:r>
-                      <a:rPr lang="en-US" sz="2000" b="1" i="1">
+                      <a:rPr lang="en-US" sz="1600" b="1" i="1">
                         <a:latin typeface="Cambria Math" panose="02040503050406030204" pitchFamily="18" charset="0"/>
-                        <a:ea typeface="Cambria Math" panose="02040503050406030204" pitchFamily="18" charset="0"/>
                       </a:rPr>
                       <m:t> </m:t>
                     </m:r>
                   </m:oMath>
                 </a14:m>
-                <a:endParaRPr lang="en-US" sz="2000" b="1" dirty="0">
-                  <a:ea typeface="Cambria Math" panose="02040503050406030204" pitchFamily="18" charset="0"/>
-                </a:endParaRPr>
+                <a:endParaRPr lang="en-US" sz="1600" b="1" dirty="0"/>
               </a:p>
               <a:p>
                 <a:pPr marL="0" indent="0">
                   <a:buNone/>
                 </a:pPr>
                 <a:r>
-                  <a:rPr lang="en-US" sz="2000" dirty="0">
-                    <a:ea typeface="Cambria Math" panose="02040503050406030204" pitchFamily="18" charset="0"/>
-                  </a:rPr>
+                  <a:rPr lang="en-US" sz="1600" dirty="0"/>
                   <a:t>	| </a:t>
                 </a:r>
                 <a14:m>
                   <m:oMath xmlns:m="http://schemas.openxmlformats.org/officeDocument/2006/math">
                     <m:r>
-                      <a:rPr lang="en-US" sz="2000" b="0" i="1">
+                      <a:rPr lang="en-US" sz="1600" b="0" i="1">
                         <a:latin typeface="Cambria Math" panose="02040503050406030204" pitchFamily="18" charset="0"/>
-                        <a:ea typeface="Cambria Math" panose="02040503050406030204" pitchFamily="18" charset="0"/>
                       </a:rPr>
                       <m:t>𝑀𝑒𝑡h𝑇</m:t>
                     </m:r>
                     <m:r>
-                      <a:rPr lang="en-US" sz="2000" b="0" i="1">
+                      <a:rPr lang="en-US" sz="1600" b="0" i="1">
                         <a:latin typeface="Cambria Math" panose="02040503050406030204" pitchFamily="18" charset="0"/>
-                        <a:ea typeface="Cambria Math" panose="02040503050406030204" pitchFamily="18" charset="0"/>
                       </a:rPr>
                       <m:t> </m:t>
                     </m:r>
                     <m:r>
-                      <a:rPr lang="en-US" sz="2000" b="1" i="1">
+                      <a:rPr lang="en-US" sz="1600" b="1" i="1">
                         <a:latin typeface="Cambria Math" panose="02040503050406030204" pitchFamily="18" charset="0"/>
-                        <a:ea typeface="Cambria Math" panose="02040503050406030204" pitchFamily="18" charset="0"/>
                       </a:rPr>
                       <m:t>𝒊𝒏𝒕</m:t>
                     </m:r>
                   </m:oMath>
                 </a14:m>
-                <a:endParaRPr lang="en-US" sz="2000" b="1" dirty="0">
-                  <a:ea typeface="Cambria Math" panose="02040503050406030204" pitchFamily="18" charset="0"/>
-                </a:endParaRPr>
+                <a:endParaRPr lang="en-US" sz="1600" b="1" dirty="0"/>
               </a:p>
               <a:p>
                 <a:pPr marL="0" indent="0">
                   <a:buNone/>
                 </a:pPr>
                 <a:r>
-                  <a:rPr lang="en-US" sz="2000" dirty="0">
-                    <a:ea typeface="Cambria Math" panose="02040503050406030204" pitchFamily="18" charset="0"/>
-                  </a:rPr>
+                  <a:rPr lang="en-US" sz="1600" dirty="0"/>
                   <a:t>	| </a:t>
                 </a:r>
                 <a14:m>
                   <m:oMath xmlns:m="http://schemas.openxmlformats.org/officeDocument/2006/math">
                     <m:r>
-                      <a:rPr lang="en-US" sz="2000" i="1">
+                      <a:rPr lang="en-US" sz="1600" i="1">
                         <a:latin typeface="Cambria Math" panose="02040503050406030204" pitchFamily="18" charset="0"/>
-                        <a:ea typeface="Cambria Math" panose="02040503050406030204" pitchFamily="18" charset="0"/>
                       </a:rPr>
                       <m:t>𝐼𝑛𝑡𝑟𝑖𝑛𝑠𝑖𝑐𝑇</m:t>
                     </m:r>
                     <m:r>
-                      <a:rPr lang="en-US" sz="2000" i="1">
+                      <a:rPr lang="en-US" sz="1600" i="1">
                         <a:latin typeface="Cambria Math" panose="02040503050406030204" pitchFamily="18" charset="0"/>
-                        <a:ea typeface="Cambria Math" panose="02040503050406030204" pitchFamily="18" charset="0"/>
                       </a:rPr>
                       <m:t> </m:t>
                     </m:r>
                     <m:r>
-                      <a:rPr lang="en-US" sz="2000" b="1" i="1">
+                      <a:rPr lang="en-US" sz="1600" b="1" i="1">
                         <a:latin typeface="Cambria Math" panose="02040503050406030204" pitchFamily="18" charset="0"/>
-                        <a:ea typeface="Cambria Math" panose="02040503050406030204" pitchFamily="18" charset="0"/>
                       </a:rPr>
                       <m:t>𝒊𝒏𝒕𝒓𝒊𝒏𝒔𝒊𝒄</m:t>
                     </m:r>
                   </m:oMath>
                 </a14:m>
-                <a:endParaRPr lang="en-US" sz="2000" b="1" dirty="0">
-                  <a:ea typeface="Cambria Math" panose="02040503050406030204" pitchFamily="18" charset="0"/>
-                </a:endParaRPr>
+                <a:endParaRPr lang="en-US" sz="1600" b="1" dirty="0"/>
               </a:p>
               <a:p>
                 <a:pPr marL="0" indent="0">
                   <a:buNone/>
                 </a:pPr>
                 <a:r>
-                  <a:rPr lang="en-US" sz="2000" dirty="0">
-                    <a:ea typeface="Cambria Math" panose="02040503050406030204" pitchFamily="18" charset="0"/>
-                  </a:rPr>
+                  <a:rPr lang="en-US" sz="1600" dirty="0"/>
                   <a:t>	| </a:t>
                 </a:r>
                 <a14:m>
                   <m:oMath xmlns:m="http://schemas.openxmlformats.org/officeDocument/2006/math">
                     <m:r>
-                      <a:rPr lang="en-US" sz="2000" b="0" i="1">
+                      <a:rPr lang="en-US" sz="1600" i="1">
                         <a:latin typeface="Cambria Math" panose="02040503050406030204" pitchFamily="18" charset="0"/>
-                        <a:ea typeface="Cambria Math" panose="02040503050406030204" pitchFamily="18" charset="0"/>
                       </a:rPr>
                       <m:t>⊤</m:t>
                     </m:r>
                   </m:oMath>
                 </a14:m>
-                <a:endParaRPr lang="en-US" sz="2000" dirty="0">
-                  <a:ea typeface="Cambria Math" panose="02040503050406030204" pitchFamily="18" charset="0"/>
-                </a:endParaRPr>
+                <a:endParaRPr lang="en-US" sz="1600" i="1" dirty="0"/>
               </a:p>
               <a:p>
                 <a:pPr marL="0" indent="0">
                   <a:buNone/>
                 </a:pPr>
                 <a:r>
-                  <a:rPr lang="en-US" sz="2000" dirty="0">
-                    <a:ea typeface="Cambria Math" panose="02040503050406030204" pitchFamily="18" charset="0"/>
-                  </a:rPr>
+                  <a:rPr lang="en-US" sz="1600" dirty="0"/>
                   <a:t>	| </a:t>
                 </a:r>
                 <a14:m>
                   <m:oMath xmlns:m="http://schemas.openxmlformats.org/officeDocument/2006/math">
                     <m:r>
-                      <a:rPr lang="en-US" sz="2000" b="0" i="1">
+                      <a:rPr lang="en-US" sz="1600" i="1">
                         <a:latin typeface="Cambria Math" panose="02040503050406030204" pitchFamily="18" charset="0"/>
-                        <a:ea typeface="Cambria Math" panose="02040503050406030204" pitchFamily="18" charset="0"/>
                       </a:rPr>
                       <m:t>⊥</m:t>
                     </m:r>
                   </m:oMath>
                 </a14:m>
-                <a:endParaRPr lang="en-US" sz="2000" dirty="0">
-                  <a:ea typeface="Cambria Math" panose="02040503050406030204" pitchFamily="18" charset="0"/>
-                </a:endParaRPr>
+                <a:endParaRPr lang="en-US" sz="1600" i="1" dirty="0"/>
               </a:p>
               <a:p>
                 <a:pPr marL="0" indent="0">
                   <a:buNone/>
                 </a:pPr>
                 <a:r>
-                  <a:rPr lang="en-US" sz="2000" dirty="0">
-                    <a:ea typeface="Cambria Math" panose="02040503050406030204" pitchFamily="18" charset="0"/>
-                  </a:rPr>
+                  <a:rPr lang="en-US" sz="1600" dirty="0"/>
                   <a:t>	| </a:t>
                 </a:r>
                 <a14:m>
                   <m:oMath xmlns:m="http://schemas.openxmlformats.org/officeDocument/2006/math">
                     <m:r>
-                      <a:rPr lang="en-US" sz="2000" i="1">
+                      <a:rPr lang="en-US" sz="1600" i="1">
                         <a:latin typeface="Cambria Math" panose="02040503050406030204" pitchFamily="18" charset="0"/>
-                        <a:ea typeface="Cambria Math" panose="02040503050406030204" pitchFamily="18" charset="0"/>
                       </a:rPr>
                       <m:t>𝑈𝑛𝑖𝑡</m:t>
                     </m:r>
                   </m:oMath>
                 </a14:m>
-                <a:endParaRPr lang="en-US" sz="2000" dirty="0">
-                  <a:ea typeface="Cambria Math" panose="02040503050406030204" pitchFamily="18" charset="0"/>
-                </a:endParaRPr>
+                <a:endParaRPr lang="en-US" sz="1600" dirty="0"/>
               </a:p>
             </p:txBody>
           </p:sp>
         </mc:Choice>
-        <mc:Fallback xmlns="">
+        <mc:Fallback>
           <p:sp>
             <p:nvSpPr>
               <p:cNvPr id="3" name="Content Placeholder 2">
@@ -18467,13 +18493,199 @@
             </p:nvSpPr>
             <p:spPr>
               <a:xfrm>
-                <a:off x="2248581" y="2000249"/>
-                <a:ext cx="7694839" cy="4176713"/>
+                <a:off x="4380855" y="1412489"/>
+                <a:ext cx="3427283" cy="4363844"/>
               </a:xfrm>
               <a:blipFill>
                 <a:blip r:embed="rId2"/>
                 <a:stretch>
-                  <a:fillRect l="-238"/>
+                  <a:fillRect r="-3915"/>
+                </a:stretch>
+              </a:blipFill>
+            </p:spPr>
+            <p:txBody>
+              <a:bodyPr/>
+              <a:lstStyle/>
+              <a:p>
+                <a:r>
+                  <a:rPr lang="en-US">
+                    <a:noFill/>
+                  </a:rPr>
+                  <a:t> </a:t>
+                </a:r>
+              </a:p>
+            </p:txBody>
+          </p:sp>
+        </mc:Fallback>
+      </mc:AlternateContent>
+      <p:cxnSp>
+        <p:nvCxnSpPr>
+          <p:cNvPr id="11" name="Straight Connector 10">
+            <a:extLst>
+              <a:ext uri="{FF2B5EF4-FFF2-40B4-BE49-F238E27FC236}">
+                <a16:creationId xmlns:a16="http://schemas.microsoft.com/office/drawing/2014/main" id="{1F16A8D4-FE87-4604-88B2-394B5D1EB437}"/>
+              </a:ext>
+              <a:ext uri="{C183D7F6-B498-43B3-948B-1728B52AA6E4}">
+                <adec:decorative xmlns:adec="http://schemas.microsoft.com/office/drawing/2017/decorative" val="1"/>
+              </a:ext>
+            </a:extLst>
+          </p:cNvPr>
+          <p:cNvCxnSpPr>
+            <a:cxnSpLocks noGrp="1" noRot="1" noChangeAspect="1" noMove="1" noResize="1" noEditPoints="1" noAdjustHandles="1" noChangeArrowheads="1" noChangeShapeType="1"/>
+          </p:cNvCxnSpPr>
+          <p:nvPr>
+            <p:extLst>
+              <p:ext uri="{386F3935-93C4-4BCD-93E2-E3B085C9AB24}">
+                <p16:designElem xmlns:p16="http://schemas.microsoft.com/office/powerpoint/2015/main" val="1"/>
+              </p:ext>
+            </p:extLst>
+          </p:nvPr>
+        </p:nvCxnSpPr>
+        <p:spPr>
+          <a:xfrm>
+            <a:off x="8129871" y="1412488"/>
+            <a:ext cx="0" cy="3657600"/>
+          </a:xfrm>
+          <a:prstGeom prst="line">
+            <a:avLst/>
+          </a:prstGeom>
+          <a:ln w="12700">
+            <a:solidFill>
+              <a:schemeClr val="tx1">
+                <a:lumMod val="50000"/>
+                <a:lumOff val="50000"/>
+              </a:schemeClr>
+            </a:solidFill>
+          </a:ln>
+        </p:spPr>
+        <p:style>
+          <a:lnRef idx="1">
+            <a:schemeClr val="accent1"/>
+          </a:lnRef>
+          <a:fillRef idx="0">
+            <a:schemeClr val="accent1"/>
+          </a:fillRef>
+          <a:effectRef idx="0">
+            <a:schemeClr val="accent1"/>
+          </a:effectRef>
+          <a:fontRef idx="minor">
+            <a:schemeClr val="tx1"/>
+          </a:fontRef>
+        </p:style>
+      </p:cxnSp>
+      <mc:AlternateContent xmlns:mc="http://schemas.openxmlformats.org/markup-compatibility/2006">
+        <mc:Choice xmlns:a14="http://schemas.microsoft.com/office/drawing/2010/main" Requires="a14">
+          <p:sp>
+            <p:nvSpPr>
+              <p:cNvPr id="4" name="TextBox 3">
+                <a:extLst>
+                  <a:ext uri="{FF2B5EF4-FFF2-40B4-BE49-F238E27FC236}">
+                    <a16:creationId xmlns:a16="http://schemas.microsoft.com/office/drawing/2014/main" id="{C90845B9-BDA5-4052-B8C0-3F940C6562A8}"/>
+                  </a:ext>
+                </a:extLst>
+              </p:cNvPr>
+              <p:cNvSpPr txBox="1"/>
+              <p:nvPr/>
+            </p:nvSpPr>
+            <p:spPr>
+              <a:xfrm>
+                <a:off x="8451604" y="1412489"/>
+                <a:ext cx="3197701" cy="4363844"/>
+              </a:xfrm>
+              <a:prstGeom prst="rect">
+                <a:avLst/>
+              </a:prstGeom>
+            </p:spPr>
+            <p:txBody>
+              <a:bodyPr vert="horz" lIns="91440" tIns="45720" rIns="91440" bIns="45720" rtlCol="0">
+                <a:normAutofit/>
+              </a:bodyPr>
+              <a:lstStyle/>
+              <a:p>
+                <a:pPr indent="-228600">
+                  <a:lnSpc>
+                    <a:spcPct val="90000"/>
+                  </a:lnSpc>
+                  <a:spcAft>
+                    <a:spcPts val="600"/>
+                  </a:spcAft>
+                  <a:buFont typeface="Arial" panose="020B0604020202020204" pitchFamily="34" charset="0"/>
+                  <a:buChar char="•"/>
+                </a:pPr>
+                <a:r>
+                  <a:rPr lang="en-US" sz="2000" i="1"/>
+                  <a:t>A constructor marked orange indicates it’s a singleton type, in which the type can decide its unique value.</a:t>
+                </a:r>
+              </a:p>
+              <a:p>
+                <a:pPr indent="-228600">
+                  <a:lnSpc>
+                    <a:spcPct val="90000"/>
+                  </a:lnSpc>
+                  <a:spcAft>
+                    <a:spcPts val="600"/>
+                  </a:spcAft>
+                  <a:buFont typeface="Arial" panose="020B0604020202020204" pitchFamily="34" charset="0"/>
+                  <a:buChar char="•"/>
+                </a:pPr>
+                <a:endParaRPr lang="en-US" sz="2000" i="1"/>
+              </a:p>
+              <a:p>
+                <a:pPr indent="-228600">
+                  <a:lnSpc>
+                    <a:spcPct val="90000"/>
+                  </a:lnSpc>
+                  <a:spcAft>
+                    <a:spcPts val="600"/>
+                  </a:spcAft>
+                  <a:buFont typeface="Arial" panose="020B0604020202020204" pitchFamily="34" charset="0"/>
+                  <a:buChar char="•"/>
+                </a:pPr>
+                <a14:m>
+                  <m:oMath xmlns:m="http://schemas.openxmlformats.org/officeDocument/2006/math">
+                    <m:r>
+                      <a:rPr lang="en-US" sz="2000" b="0" i="1">
+                        <a:latin typeface="Cambria Math" panose="02040503050406030204" pitchFamily="18" charset="0"/>
+                      </a:rPr>
+                      <m:t>⊥</m:t>
+                    </m:r>
+                  </m:oMath>
+                </a14:m>
+                <a:r>
+                  <a:rPr lang="en-US" sz="2000" i="1"/>
+                  <a:t> is special: it has no values.</a:t>
+                </a:r>
+              </a:p>
+            </p:txBody>
+          </p:sp>
+        </mc:Choice>
+        <mc:Fallback>
+          <p:sp>
+            <p:nvSpPr>
+              <p:cNvPr id="4" name="TextBox 3">
+                <a:extLst>
+                  <a:ext uri="{FF2B5EF4-FFF2-40B4-BE49-F238E27FC236}">
+                    <a16:creationId xmlns:a16="http://schemas.microsoft.com/office/drawing/2014/main" id="{C90845B9-BDA5-4052-B8C0-3F940C6562A8}"/>
+                  </a:ext>
+                </a:extLst>
+              </p:cNvPr>
+              <p:cNvSpPr txBox="1">
+                <a:spLocks noRot="1" noChangeAspect="1" noMove="1" noResize="1" noEditPoints="1" noAdjustHandles="1" noChangeArrowheads="1" noChangeShapeType="1" noTextEdit="1"/>
+              </p:cNvSpPr>
+              <p:nvPr/>
+            </p:nvSpPr>
+            <p:spPr>
+              <a:xfrm>
+                <a:off x="8451604" y="1412489"/>
+                <a:ext cx="3197701" cy="4363844"/>
+              </a:xfrm>
+              <a:prstGeom prst="rect">
+                <a:avLst/>
+              </a:prstGeom>
+              <a:blipFill>
+                <a:blip r:embed="rId3"/>
+                <a:stretch>
+                  <a:fillRect l="-1905" t="-1536"/>
                 </a:stretch>
               </a:blipFill>
             </p:spPr>
@@ -18508,6 +18720,14 @@
 <file path=ppt/slides/slide8.xml><?xml version="1.0" encoding="utf-8"?>
 <p:sld xmlns:a="http://schemas.openxmlformats.org/drawingml/2006/main" xmlns:r="http://schemas.openxmlformats.org/officeDocument/2006/relationships" xmlns:p="http://schemas.openxmlformats.org/presentationml/2006/main">
   <p:cSld>
+    <p:bg>
+      <p:bgPr>
+        <a:solidFill>
+          <a:schemeClr val="bg1"/>
+        </a:solidFill>
+        <a:effectLst/>
+      </p:bgPr>
+    </p:bg>
     <p:spTree>
       <p:nvGrpSpPr>
         <p:cNvPr id="1" name=""/>
@@ -18522,6 +18742,66 @@
           <a:chExt cx="0" cy="0"/>
         </a:xfrm>
       </p:grpSpPr>
+      <p:sp useBgFill="1">
+        <p:nvSpPr>
+          <p:cNvPr id="29" name="Rectangle 21">
+            <a:extLst>
+              <a:ext uri="{FF2B5EF4-FFF2-40B4-BE49-F238E27FC236}">
+                <a16:creationId xmlns:a16="http://schemas.microsoft.com/office/drawing/2014/main" id="{3AD318CC-E2A8-4E27-9548-A047A78999B1}"/>
+              </a:ext>
+              <a:ext uri="{C183D7F6-B498-43B3-948B-1728B52AA6E4}">
+                <adec:decorative xmlns:adec="http://schemas.microsoft.com/office/drawing/2017/decorative" val="1"/>
+              </a:ext>
+            </a:extLst>
+          </p:cNvPr>
+          <p:cNvSpPr>
+            <a:spLocks noGrp="1" noRot="1" noChangeAspect="1" noMove="1" noResize="1" noEditPoints="1" noAdjustHandles="1" noChangeArrowheads="1" noChangeShapeType="1" noTextEdit="1"/>
+          </p:cNvSpPr>
+          <p:nvPr>
+            <p:extLst>
+              <p:ext uri="{386F3935-93C4-4BCD-93E2-E3B085C9AB24}">
+                <p16:designElem xmlns:p16="http://schemas.microsoft.com/office/powerpoint/2015/main" val="1"/>
+              </p:ext>
+            </p:extLst>
+          </p:nvPr>
+        </p:nvSpPr>
+        <p:spPr>
+          <a:xfrm>
+            <a:off x="0" y="0"/>
+            <a:ext cx="12191999" cy="6857365"/>
+          </a:xfrm>
+          <a:prstGeom prst="rect">
+            <a:avLst/>
+          </a:prstGeom>
+          <a:ln>
+            <a:noFill/>
+          </a:ln>
+        </p:spPr>
+        <p:style>
+          <a:lnRef idx="2">
+            <a:schemeClr val="accent1">
+              <a:shade val="50000"/>
+            </a:schemeClr>
+          </a:lnRef>
+          <a:fillRef idx="1">
+            <a:schemeClr val="accent1"/>
+          </a:fillRef>
+          <a:effectRef idx="0">
+            <a:schemeClr val="accent1"/>
+          </a:effectRef>
+          <a:fontRef idx="minor">
+            <a:schemeClr val="lt1"/>
+          </a:fontRef>
+        </p:style>
+        <p:txBody>
+          <a:bodyPr rtlCol="0" anchor="ctr"/>
+          <a:lstStyle/>
+          <a:p>
+            <a:pPr algn="ctr"/>
+            <a:endParaRPr lang="en-US"/>
+          </a:p>
+        </p:txBody>
+      </p:sp>
       <p:sp>
         <p:nvSpPr>
           <p:cNvPr id="2" name="Title 1">
@@ -18540,26 +18820,268 @@
         </p:nvSpPr>
         <p:spPr>
           <a:xfrm>
-            <a:off x="311257" y="210142"/>
-            <a:ext cx="12022799" cy="1325563"/>
+            <a:off x="423948" y="922313"/>
+            <a:ext cx="4602547" cy="2690949"/>
           </a:xfrm>
         </p:spPr>
         <p:txBody>
-          <a:bodyPr>
+          <a:bodyPr vert="horz" lIns="91440" tIns="45720" rIns="91440" bIns="45720" rtlCol="0" anchor="t">
             <a:normAutofit/>
           </a:bodyPr>
           <a:lstStyle/>
           <a:p>
-            <a:pPr algn="ctr"/>
             <a:r>
-              <a:rPr lang="en-US" sz="4000" dirty="0"/>
-              <a:t>	The Source Intermediate Language of DYNJIT</a:t>
+              <a:rPr lang="en-US" kern="1200" dirty="0">
+                <a:solidFill>
+                  <a:schemeClr val="tx1"/>
+                </a:solidFill>
+                <a:latin typeface="+mj-lt"/>
+                <a:ea typeface="+mj-ea"/>
+                <a:cs typeface="+mj-cs"/>
+              </a:rPr>
+              <a:t>The Source</a:t>
+            </a:r>
+            <a:br>
+              <a:rPr lang="en-US" kern="1200" dirty="0">
+                <a:solidFill>
+                  <a:schemeClr val="tx1"/>
+                </a:solidFill>
+                <a:latin typeface="+mj-lt"/>
+                <a:ea typeface="+mj-ea"/>
+                <a:cs typeface="+mj-cs"/>
+              </a:rPr>
+            </a:br>
+            <a:r>
+              <a:rPr lang="en-US" kern="1200" dirty="0">
+                <a:solidFill>
+                  <a:schemeClr val="tx1"/>
+                </a:solidFill>
+                <a:latin typeface="+mj-lt"/>
+                <a:ea typeface="+mj-ea"/>
+                <a:cs typeface="+mj-cs"/>
+              </a:rPr>
+              <a:t>Intermediate Language of DYNJIT</a:t>
             </a:r>
           </a:p>
         </p:txBody>
       </p:sp>
-      <mc:AlternateContent xmlns:mc="http://schemas.openxmlformats.org/markup-compatibility/2006" xmlns:a14="http://schemas.microsoft.com/office/drawing/2010/main">
-        <mc:Choice Requires="a14">
+      <p:grpSp>
+        <p:nvGrpSpPr>
+          <p:cNvPr id="30" name="Group 23">
+            <a:extLst>
+              <a:ext uri="{FF2B5EF4-FFF2-40B4-BE49-F238E27FC236}">
+                <a16:creationId xmlns:a16="http://schemas.microsoft.com/office/drawing/2014/main" id="{B14B560F-9DD7-4302-A60B-EBD3EF59B073}"/>
+              </a:ext>
+              <a:ext uri="{C183D7F6-B498-43B3-948B-1728B52AA6E4}">
+                <adec:decorative xmlns:adec="http://schemas.microsoft.com/office/drawing/2017/decorative" val="1"/>
+              </a:ext>
+            </a:extLst>
+          </p:cNvPr>
+          <p:cNvGrpSpPr>
+            <a:grpSpLocks noGrp="1" noUngrp="1" noRot="1" noChangeAspect="1" noMove="1" noResize="1"/>
+          </p:cNvGrpSpPr>
+          <p:nvPr>
+            <p:extLst>
+              <p:ext uri="{386F3935-93C4-4BCD-93E2-E3B085C9AB24}">
+                <p16:designElem xmlns:p16="http://schemas.microsoft.com/office/powerpoint/2015/main" val="1"/>
+              </p:ext>
+            </p:extLst>
+          </p:nvPr>
+        </p:nvGrpSpPr>
+        <p:grpSpPr>
+          <a:xfrm>
+            <a:off x="209667" y="4415246"/>
+            <a:ext cx="11982332" cy="2087795"/>
+            <a:chOff x="143163" y="5763486"/>
+            <a:chExt cx="11982332" cy="739555"/>
+          </a:xfrm>
+        </p:grpSpPr>
+        <p:sp>
+          <p:nvSpPr>
+            <p:cNvPr id="25" name="Rectangle 24">
+              <a:extLst>
+                <a:ext uri="{FF2B5EF4-FFF2-40B4-BE49-F238E27FC236}">
+                  <a16:creationId xmlns:a16="http://schemas.microsoft.com/office/drawing/2014/main" id="{3A9A4357-BD1D-4622-A4FE-766E6AB8DE84}"/>
+                </a:ext>
+                <a:ext uri="{C183D7F6-B498-43B3-948B-1728B52AA6E4}">
+                  <adec:decorative xmlns:adec="http://schemas.microsoft.com/office/drawing/2017/decorative" val="1"/>
+                </a:ext>
+              </a:extLst>
+            </p:cNvPr>
+            <p:cNvSpPr/>
+            <p:nvPr>
+              <p:extLst>
+                <p:ext uri="{386F3935-93C4-4BCD-93E2-E3B085C9AB24}">
+                  <p16:designElem xmlns:p16="http://schemas.microsoft.com/office/powerpoint/2015/main" val="1"/>
+                </p:ext>
+              </p:extLst>
+            </p:nvPr>
+          </p:nvSpPr>
+          <p:spPr>
+            <a:xfrm flipH="1" flipV="1">
+              <a:off x="357444" y="5763486"/>
+              <a:ext cx="11768051" cy="739555"/>
+            </a:xfrm>
+            <a:prstGeom prst="rect">
+              <a:avLst/>
+            </a:prstGeom>
+            <a:solidFill>
+              <a:schemeClr val="accent4"/>
+            </a:solidFill>
+            <a:ln>
+              <a:noFill/>
+            </a:ln>
+          </p:spPr>
+          <p:style>
+            <a:lnRef idx="2">
+              <a:schemeClr val="accent1">
+                <a:shade val="50000"/>
+              </a:schemeClr>
+            </a:lnRef>
+            <a:fillRef idx="1">
+              <a:schemeClr val="accent1"/>
+            </a:fillRef>
+            <a:effectRef idx="0">
+              <a:schemeClr val="accent1"/>
+            </a:effectRef>
+            <a:fontRef idx="minor">
+              <a:schemeClr val="lt1"/>
+            </a:fontRef>
+          </p:style>
+          <p:txBody>
+            <a:bodyPr rtlCol="0" anchor="ctr"/>
+            <a:lstStyle/>
+            <a:p>
+              <a:pPr algn="ctr"/>
+              <a:endParaRPr lang="en-US"/>
+            </a:p>
+          </p:txBody>
+        </p:sp>
+        <p:cxnSp>
+          <p:nvCxnSpPr>
+            <p:cNvPr id="31" name="Straight Connector 25">
+              <a:extLst>
+                <a:ext uri="{FF2B5EF4-FFF2-40B4-BE49-F238E27FC236}">
+                  <a16:creationId xmlns:a16="http://schemas.microsoft.com/office/drawing/2014/main" id="{C21D6966-343E-49AC-A026-D2497E0C3CA1}"/>
+                </a:ext>
+                <a:ext uri="{C183D7F6-B498-43B3-948B-1728B52AA6E4}">
+                  <adec:decorative xmlns:adec="http://schemas.microsoft.com/office/drawing/2017/decorative" val="1"/>
+                </a:ext>
+              </a:extLst>
+            </p:cNvPr>
+            <p:cNvCxnSpPr>
+              <a:cxnSpLocks/>
+            </p:cNvCxnSpPr>
+            <p:nvPr>
+              <p:extLst>
+                <p:ext uri="{386F3935-93C4-4BCD-93E2-E3B085C9AB24}">
+                  <p16:designElem xmlns:p16="http://schemas.microsoft.com/office/powerpoint/2015/main" val="1"/>
+                </p:ext>
+              </p:extLst>
+            </p:nvPr>
+          </p:nvCxnSpPr>
+          <p:spPr>
+            <a:xfrm flipH="1">
+              <a:off x="143163" y="5763486"/>
+              <a:ext cx="1" cy="739555"/>
+            </a:xfrm>
+            <a:prstGeom prst="line">
+              <a:avLst/>
+            </a:prstGeom>
+            <a:ln w="177800">
+              <a:solidFill>
+                <a:schemeClr val="accent4"/>
+              </a:solidFill>
+            </a:ln>
+          </p:spPr>
+          <p:style>
+            <a:lnRef idx="1">
+              <a:schemeClr val="accent1"/>
+            </a:lnRef>
+            <a:fillRef idx="0">
+              <a:schemeClr val="accent1"/>
+            </a:fillRef>
+            <a:effectRef idx="0">
+              <a:schemeClr val="accent1"/>
+            </a:effectRef>
+            <a:fontRef idx="minor">
+              <a:schemeClr val="tx1"/>
+            </a:fontRef>
+          </p:style>
+        </p:cxnSp>
+      </p:grpSp>
+      <p:sp>
+        <p:nvSpPr>
+          <p:cNvPr id="28" name="Rectangle 27">
+            <a:extLst>
+              <a:ext uri="{FF2B5EF4-FFF2-40B4-BE49-F238E27FC236}">
+                <a16:creationId xmlns:a16="http://schemas.microsoft.com/office/drawing/2014/main" id="{2C1BBA94-3F40-40AA-8BB9-E69E25E537C1}"/>
+              </a:ext>
+              <a:ext uri="{C183D7F6-B498-43B3-948B-1728B52AA6E4}">
+                <adec:decorative xmlns:adec="http://schemas.microsoft.com/office/drawing/2017/decorative" val="1"/>
+              </a:ext>
+            </a:extLst>
+          </p:cNvPr>
+          <p:cNvSpPr>
+            <a:spLocks noGrp="1" noRot="1" noChangeAspect="1" noMove="1" noResize="1" noEditPoints="1" noAdjustHandles="1" noChangeArrowheads="1" noChangeShapeType="1" noTextEdit="1"/>
+          </p:cNvSpPr>
+          <p:nvPr>
+            <p:extLst>
+              <p:ext uri="{386F3935-93C4-4BCD-93E2-E3B085C9AB24}">
+                <p16:designElem xmlns:p16="http://schemas.microsoft.com/office/powerpoint/2015/main" val="1"/>
+              </p:ext>
+            </p:extLst>
+          </p:nvPr>
+        </p:nvSpPr>
+        <p:spPr>
+          <a:xfrm>
+            <a:off x="5133706" y="587829"/>
+            <a:ext cx="6505300" cy="5682342"/>
+          </a:xfrm>
+          <a:prstGeom prst="rect">
+            <a:avLst/>
+          </a:prstGeom>
+          <a:solidFill>
+            <a:schemeClr val="bg1"/>
+          </a:solidFill>
+          <a:ln>
+            <a:noFill/>
+          </a:ln>
+          <a:effectLst>
+            <a:outerShdw blurRad="139700" dist="127000" dir="5400000" algn="t" rotWithShape="0">
+              <a:prstClr val="black">
+                <a:alpha val="15000"/>
+              </a:prstClr>
+            </a:outerShdw>
+          </a:effectLst>
+        </p:spPr>
+        <p:style>
+          <a:lnRef idx="2">
+            <a:schemeClr val="accent1">
+              <a:shade val="50000"/>
+            </a:schemeClr>
+          </a:lnRef>
+          <a:fillRef idx="1">
+            <a:schemeClr val="accent1"/>
+          </a:fillRef>
+          <a:effectRef idx="0">
+            <a:schemeClr val="accent1"/>
+          </a:effectRef>
+          <a:fontRef idx="minor">
+            <a:schemeClr val="lt1"/>
+          </a:fontRef>
+        </p:style>
+        <p:txBody>
+          <a:bodyPr rtlCol="0" anchor="ctr"/>
+          <a:lstStyle/>
+          <a:p>
+            <a:pPr algn="ctr"/>
+            <a:endParaRPr lang="en-US"/>
+          </a:p>
+        </p:txBody>
+      </p:sp>
+      <mc:AlternateContent xmlns:mc="http://schemas.openxmlformats.org/markup-compatibility/2006">
+        <mc:Choice xmlns:a14="http://schemas.microsoft.com/office/drawing/2010/main" Requires="a14">
           <p:sp>
             <p:nvSpPr>
               <p:cNvPr id="4" name="TextBox 3">
@@ -18574,17 +19096,16 @@
             </p:nvSpPr>
             <p:spPr>
               <a:xfrm>
-                <a:off x="3852067" y="1614990"/>
-                <a:ext cx="5151257" cy="4421723"/>
+                <a:off x="5615162" y="965259"/>
+                <a:ext cx="5542387" cy="4300447"/>
               </a:xfrm>
               <a:prstGeom prst="rect">
                 <a:avLst/>
               </a:prstGeom>
-              <a:noFill/>
             </p:spPr>
             <p:txBody>
-              <a:bodyPr wrap="square" rtlCol="0">
-                <a:spAutoFit/>
+              <a:bodyPr vert="horz" lIns="91440" tIns="45720" rIns="91440" bIns="45720" rtlCol="0" anchor="t">
+                <a:noAutofit/>
               </a:bodyPr>
               <a:lstStyle/>
               <a:p>
@@ -18597,33 +19118,23 @@
                   </a:spcBef>
                 </a:pPr>
                 <a:r>
-                  <a:rPr lang="en-US" sz="2000" b="1" dirty="0">
-                    <a:latin typeface="Cambria Math" panose="02040503050406030204" pitchFamily="18" charset="0"/>
-                  </a:rPr>
+                  <a:rPr lang="en-US" sz="2000" b="1" dirty="0" err="1"/>
                   <a:t>repr</a:t>
                 </a:r>
                 <a:r>
-                  <a:rPr lang="en-US" sz="2000" dirty="0">
-                    <a:latin typeface="Cambria Math" panose="02040503050406030204" pitchFamily="18" charset="0"/>
-                  </a:rPr>
+                  <a:rPr lang="en-US" sz="2000" dirty="0"/>
                   <a:t>     S </a:t>
                 </a:r>
                 <a:r>
-                  <a:rPr lang="en-US" sz="2000" b="1" dirty="0">
-                    <a:latin typeface="Cambria Math" panose="02040503050406030204" pitchFamily="18" charset="0"/>
-                  </a:rPr>
+                  <a:rPr lang="en-US" sz="2000" b="1" dirty="0"/>
                   <a:t>constant </a:t>
                 </a:r>
                 <a:r>
-                  <a:rPr lang="en-US" sz="2000" dirty="0">
-                    <a:latin typeface="Cambria Math" panose="02040503050406030204" pitchFamily="18" charset="0"/>
-                  </a:rPr>
+                  <a:rPr lang="en-US" sz="2000" dirty="0"/>
                   <a:t>| D </a:t>
                 </a:r>
                 <a:r>
-                  <a:rPr lang="en-US" sz="2000" b="1" dirty="0">
-                    <a:latin typeface="Cambria Math" panose="02040503050406030204" pitchFamily="18" charset="0"/>
-                  </a:rPr>
+                  <a:rPr lang="en-US" sz="2000" b="1" dirty="0"/>
                   <a:t>var</a:t>
                 </a:r>
               </a:p>
@@ -18637,45 +19148,31 @@
                   </a:spcBef>
                 </a:pPr>
                 <a:r>
-                  <a:rPr lang="en-US" sz="2000" b="1" dirty="0" err="1">
-                    <a:latin typeface="Cambria Math" panose="02040503050406030204" pitchFamily="18" charset="0"/>
-                  </a:rPr>
+                  <a:rPr lang="en-US" sz="2000" b="1" dirty="0" err="1"/>
                   <a:t>instr</a:t>
                 </a:r>
                 <a:r>
-                  <a:rPr lang="en-US" sz="2000" b="1" dirty="0">
-                    <a:latin typeface="Cambria Math" panose="02040503050406030204" pitchFamily="18" charset="0"/>
-                  </a:rPr>
+                  <a:rPr lang="en-US" sz="2000" b="1" dirty="0"/>
                   <a:t>     var</a:t>
                 </a:r>
                 <a:r>
-                  <a:rPr lang="en-US" sz="2000" dirty="0">
-                    <a:latin typeface="Cambria Math" panose="02040503050406030204" pitchFamily="18" charset="0"/>
-                  </a:rPr>
+                  <a:rPr lang="en-US" sz="2000" dirty="0"/>
                   <a:t> = call </a:t>
                 </a:r>
                 <a:r>
-                  <a:rPr lang="en-US" sz="2000" b="1" dirty="0" err="1">
-                    <a:latin typeface="Cambria Math" panose="02040503050406030204" pitchFamily="18" charset="0"/>
-                  </a:rPr>
+                  <a:rPr lang="en-US" sz="2000" b="1" dirty="0" err="1"/>
                   <a:t>repr</a:t>
                 </a:r>
                 <a:r>
-                  <a:rPr lang="en-US" sz="2000" dirty="0">
-                    <a:latin typeface="Cambria Math" panose="02040503050406030204" pitchFamily="18" charset="0"/>
-                  </a:rPr>
+                  <a:rPr lang="en-US" sz="2000" dirty="0"/>
                   <a:t>(</a:t>
                 </a:r>
                 <a:r>
-                  <a:rPr lang="en-US" sz="2000" b="1" dirty="0" err="1">
-                    <a:latin typeface="Cambria Math" panose="02040503050406030204" pitchFamily="18" charset="0"/>
-                  </a:rPr>
+                  <a:rPr lang="en-US" sz="2000" b="1" dirty="0" err="1"/>
                   <a:t>repr</a:t>
                 </a:r>
                 <a:r>
-                  <a:rPr lang="en-US" sz="2000" dirty="0">
-                    <a:latin typeface="Cambria Math" panose="02040503050406030204" pitchFamily="18" charset="0"/>
-                  </a:rPr>
+                  <a:rPr lang="en-US" sz="2000" dirty="0"/>
                   <a:t>*)</a:t>
                 </a:r>
               </a:p>
@@ -18689,32 +19186,22 @@
                   </a:spcBef>
                 </a:pPr>
                 <a:r>
-                  <a:rPr lang="en-US" sz="2000" dirty="0">
-                    <a:latin typeface="Cambria Math" panose="02040503050406030204" pitchFamily="18" charset="0"/>
-                  </a:rPr>
+                  <a:rPr lang="en-US" sz="2000" dirty="0"/>
                   <a:t>             | </a:t>
                 </a:r>
                 <a:r>
-                  <a:rPr lang="en-US" sz="2000" b="1" dirty="0">
-                    <a:latin typeface="Cambria Math" panose="02040503050406030204" pitchFamily="18" charset="0"/>
-                  </a:rPr>
+                  <a:rPr lang="en-US" sz="2000" b="1" dirty="0"/>
                   <a:t>var </a:t>
                 </a:r>
                 <a:r>
-                  <a:rPr lang="en-US" sz="2000" dirty="0">
-                    <a:latin typeface="Cambria Math" panose="02040503050406030204" pitchFamily="18" charset="0"/>
-                  </a:rPr>
+                  <a:rPr lang="en-US" sz="2000" dirty="0"/>
                   <a:t>= </a:t>
                 </a:r>
                 <a:r>
-                  <a:rPr lang="en-US" sz="2000" b="1" dirty="0" err="1">
-                    <a:latin typeface="Cambria Math" panose="02040503050406030204" pitchFamily="18" charset="0"/>
-                  </a:rPr>
+                  <a:rPr lang="en-US" sz="2000" b="1" dirty="0" err="1"/>
                   <a:t>repr</a:t>
                 </a:r>
-                <a:endParaRPr lang="en-US" sz="2000" b="1" dirty="0">
-                  <a:latin typeface="Cambria Math" panose="02040503050406030204" pitchFamily="18" charset="0"/>
-                </a:endParaRPr>
+                <a:endParaRPr lang="en-US" sz="2000" b="1" dirty="0"/>
               </a:p>
               <a:p>
                 <a:pPr>
@@ -18726,20 +19213,14 @@
                   </a:spcBef>
                 </a:pPr>
                 <a:r>
-                  <a:rPr lang="en-US" sz="2000" dirty="0">
-                    <a:latin typeface="Cambria Math" panose="02040503050406030204" pitchFamily="18" charset="0"/>
-                  </a:rPr>
+                  <a:rPr lang="en-US" sz="2000" dirty="0"/>
                   <a:t>             | return </a:t>
                 </a:r>
                 <a:r>
-                  <a:rPr lang="en-US" sz="2000" b="1" dirty="0" err="1">
-                    <a:latin typeface="Cambria Math" panose="02040503050406030204" pitchFamily="18" charset="0"/>
-                  </a:rPr>
+                  <a:rPr lang="en-US" sz="2000" b="1" dirty="0" err="1"/>
                   <a:t>repr</a:t>
                 </a:r>
-                <a:endParaRPr lang="en-US" sz="2000" b="1" dirty="0">
-                  <a:latin typeface="Cambria Math" panose="02040503050406030204" pitchFamily="18" charset="0"/>
-                </a:endParaRPr>
+                <a:endParaRPr lang="en-US" sz="2000" b="1" dirty="0"/>
               </a:p>
               <a:p>
                 <a:pPr>
@@ -18751,27 +19232,19 @@
                   </a:spcBef>
                 </a:pPr>
                 <a:r>
-                  <a:rPr lang="en-US" sz="2000" dirty="0">
-                    <a:latin typeface="Cambria Math" panose="02040503050406030204" pitchFamily="18" charset="0"/>
-                  </a:rPr>
+                  <a:rPr lang="en-US" sz="2000" dirty="0"/>
                   <a:t>             | </a:t>
                 </a:r>
                 <a:r>
-                  <a:rPr lang="en-US" sz="2000" dirty="0" err="1">
-                    <a:latin typeface="Cambria Math" panose="02040503050406030204" pitchFamily="18" charset="0"/>
-                  </a:rPr>
+                  <a:rPr lang="en-US" sz="2000" dirty="0" err="1"/>
                   <a:t>goto</a:t>
                 </a:r>
                 <a:r>
-                  <a:rPr lang="en-US" sz="2000" dirty="0">
-                    <a:latin typeface="Cambria Math" panose="02040503050406030204" pitchFamily="18" charset="0"/>
-                  </a:rPr>
+                  <a:rPr lang="en-US" sz="2000" dirty="0"/>
                   <a:t> </a:t>
                 </a:r>
                 <a:r>
-                  <a:rPr lang="en-US" sz="2000" b="1" dirty="0">
-                    <a:latin typeface="Cambria Math" panose="02040503050406030204" pitchFamily="18" charset="0"/>
-                  </a:rPr>
+                  <a:rPr lang="en-US" sz="2000" b="1" dirty="0"/>
                   <a:t>label</a:t>
                 </a:r>
               </a:p>
@@ -18785,64 +19258,72 @@
                   </a:spcBef>
                 </a:pPr>
                 <a:r>
-                  <a:rPr lang="en-US" sz="2000" dirty="0">
-                    <a:latin typeface="Cambria Math" panose="02040503050406030204" pitchFamily="18" charset="0"/>
-                  </a:rPr>
+                  <a:rPr lang="en-US" sz="2000" dirty="0"/>
                   <a:t>             | if </a:t>
                 </a:r>
                 <a:r>
-                  <a:rPr lang="en-US" sz="2000" b="1" dirty="0" err="1">
-                    <a:latin typeface="Cambria Math" panose="02040503050406030204" pitchFamily="18" charset="0"/>
-                  </a:rPr>
+                  <a:rPr lang="en-US" sz="2000" b="1" dirty="0" err="1"/>
                   <a:t>repr</a:t>
                 </a:r>
                 <a:r>
-                  <a:rPr lang="en-US" sz="2000" b="1" dirty="0">
-                    <a:latin typeface="Cambria Math" panose="02040503050406030204" pitchFamily="18" charset="0"/>
-                  </a:rPr>
+                  <a:rPr lang="en-US" sz="2000" b="1" dirty="0"/>
                   <a:t> </a:t>
                 </a:r>
                 <a:r>
-                  <a:rPr lang="en-US" sz="2000" dirty="0" err="1">
-                    <a:latin typeface="Cambria Math" panose="02040503050406030204" pitchFamily="18" charset="0"/>
-                  </a:rPr>
+                  <a:rPr lang="en-US" sz="2000" dirty="0" err="1"/>
                   <a:t>goto</a:t>
                 </a:r>
                 <a:r>
-                  <a:rPr lang="en-US" sz="2000" dirty="0">
-                    <a:latin typeface="Cambria Math" panose="02040503050406030204" pitchFamily="18" charset="0"/>
-                  </a:rPr>
+                  <a:rPr lang="en-US" sz="2000" dirty="0"/>
                   <a:t> </a:t>
                 </a:r>
                 <a:r>
-                  <a:rPr lang="en-US" sz="2000" b="1" dirty="0">
-                    <a:latin typeface="Cambria Math" panose="02040503050406030204" pitchFamily="18" charset="0"/>
-                  </a:rPr>
+                  <a:rPr lang="en-US" sz="2000" b="1" dirty="0"/>
                   <a:t>label</a:t>
                 </a:r>
                 <a:r>
-                  <a:rPr lang="en-US" sz="2000" dirty="0">
-                    <a:latin typeface="Cambria Math" panose="02040503050406030204" pitchFamily="18" charset="0"/>
-                  </a:rPr>
+                  <a:rPr lang="en-US" sz="2000" dirty="0"/>
                   <a:t> </a:t>
                 </a:r>
                 <a:r>
-                  <a:rPr lang="en-US" sz="2000" dirty="0" err="1">
-                    <a:latin typeface="Cambria Math" panose="02040503050406030204" pitchFamily="18" charset="0"/>
-                  </a:rPr>
+                  <a:rPr lang="en-US" sz="2000" dirty="0" err="1"/>
                   <a:t>goto</a:t>
                 </a:r>
                 <a:r>
-                  <a:rPr lang="en-US" sz="2000" dirty="0">
-                    <a:latin typeface="Cambria Math" panose="02040503050406030204" pitchFamily="18" charset="0"/>
-                  </a:rPr>
+                  <a:rPr lang="en-US" sz="2000" dirty="0"/>
                   <a:t> </a:t>
                 </a:r>
                 <a:r>
-                  <a:rPr lang="en-US" sz="2000" b="1" dirty="0">
-                    <a:latin typeface="Cambria Math" panose="02040503050406030204" pitchFamily="18" charset="0"/>
-                  </a:rPr>
+                  <a:rPr lang="en-US" sz="2000" b="1" dirty="0"/>
                   <a:t>label</a:t>
+                </a:r>
+              </a:p>
+              <a:p>
+                <a:pPr>
+                  <a:lnSpc>
+                    <a:spcPct val="90000"/>
+                  </a:lnSpc>
+                  <a:spcBef>
+                    <a:spcPts val="1000"/>
+                  </a:spcBef>
+                </a:pPr>
+                <a:r>
+                  <a:rPr lang="en-US" sz="2000" b="1" dirty="0"/>
+                  <a:t>move   var </a:t>
+                </a:r>
+                <a14:m>
+                  <m:oMath xmlns:m="http://schemas.openxmlformats.org/officeDocument/2006/math">
+                    <m:r>
+                      <a:rPr lang="en-US" sz="2000" b="1" i="1">
+                        <a:latin typeface="Cambria Math" panose="02040503050406030204" pitchFamily="18" charset="0"/>
+                      </a:rPr>
+                      <m:t>←</m:t>
+                    </m:r>
+                  </m:oMath>
+                </a14:m>
+                <a:r>
+                  <a:rPr lang="en-US" sz="2000" b="1" dirty="0"/>
+                  <a:t> var</a:t>
                 </a:r>
               </a:p>
               <a:p>
@@ -18857,7 +19338,7 @@
                 <a14:m>
                   <m:oMath xmlns:m="http://schemas.openxmlformats.org/officeDocument/2006/math">
                     <m:r>
-                      <a:rPr lang="en-US" sz="2000" b="1" i="1" smtClean="0">
+                      <a:rPr lang="en-US" sz="2000" b="1" i="1">
                         <a:latin typeface="Cambria Math" panose="02040503050406030204" pitchFamily="18" charset="0"/>
                       </a:rPr>
                       <m:t>𝚽</m:t>
@@ -18865,44 +19346,16 @@
                   </m:oMath>
                 </a14:m>
                 <a:r>
-                  <a:rPr lang="en-US" sz="2000" b="1" dirty="0">
-                    <a:latin typeface="Cambria Math" panose="02040503050406030204" pitchFamily="18" charset="0"/>
-                  </a:rPr>
+                  <a:rPr lang="en-US" sz="2000" b="1" dirty="0"/>
                   <a:t>         label</a:t>
                 </a:r>
                 <a:r>
-                  <a:rPr lang="en-US" sz="2000" dirty="0">
-                    <a:latin typeface="Cambria Math" panose="02040503050406030204" pitchFamily="18" charset="0"/>
-                  </a:rPr>
+                  <a:rPr lang="en-US" sz="2000" dirty="0"/>
                   <a:t> : </a:t>
                 </a:r>
                 <a:r>
-                  <a:rPr lang="en-US" sz="2000" b="1" dirty="0">
-                    <a:latin typeface="Cambria Math" panose="02040503050406030204" pitchFamily="18" charset="0"/>
-                  </a:rPr>
-                  <a:t>var </a:t>
-                </a:r>
-                <a14:m>
-                  <m:oMath xmlns:m="http://schemas.openxmlformats.org/officeDocument/2006/math">
-                    <m:r>
-                      <a:rPr lang="en-US" sz="2000" b="0" smtClean="0">
-                        <a:latin typeface="Cambria Math" panose="02040503050406030204" pitchFamily="18" charset="0"/>
-                      </a:rPr>
-                      <m:t>←</m:t>
-                    </m:r>
-                  </m:oMath>
-                </a14:m>
-                <a:r>
-                  <a:rPr lang="en-US" sz="2000" dirty="0">
-                    <a:latin typeface="Cambria Math" panose="02040503050406030204" pitchFamily="18" charset="0"/>
-                  </a:rPr>
-                  <a:t> </a:t>
-                </a:r>
-                <a:r>
-                  <a:rPr lang="en-US" sz="2000" b="1" dirty="0">
-                    <a:latin typeface="Cambria Math" panose="02040503050406030204" pitchFamily="18" charset="0"/>
-                  </a:rPr>
-                  <a:t>var</a:t>
+                  <a:rPr lang="en-US" sz="2000" b="1" dirty="0"/>
+                  <a:t>move*</a:t>
                 </a:r>
               </a:p>
               <a:p>
@@ -18915,15 +19368,11 @@
                   </a:spcBef>
                 </a:pPr>
                 <a:r>
-                  <a:rPr lang="en-US" sz="2000" b="1" dirty="0" err="1">
-                    <a:latin typeface="Cambria Math" panose="02040503050406030204" pitchFamily="18" charset="0"/>
-                  </a:rPr>
+                  <a:rPr lang="en-US" sz="2000" b="1" dirty="0" err="1"/>
                   <a:t>basicblock</a:t>
                 </a:r>
                 <a:r>
-                  <a:rPr lang="en-US" sz="2000" dirty="0">
-                    <a:latin typeface="Cambria Math" panose="02040503050406030204" pitchFamily="18" charset="0"/>
-                  </a:rPr>
+                  <a:rPr lang="en-US" sz="2000" dirty="0"/>
                   <a:t> </a:t>
                 </a:r>
               </a:p>
@@ -18937,27 +19386,19 @@
                   </a:spcBef>
                 </a:pPr>
                 <a:r>
-                  <a:rPr lang="en-US" sz="2000" dirty="0">
-                    <a:latin typeface="Cambria Math" panose="02040503050406030204" pitchFamily="18" charset="0"/>
-                  </a:rPr>
+                  <a:rPr lang="en-US" sz="2000" dirty="0"/>
                   <a:t>            label </a:t>
                 </a:r>
                 <a:r>
-                  <a:rPr lang="en-US" sz="2000" b="1" dirty="0" err="1">
-                    <a:latin typeface="Cambria Math" panose="02040503050406030204" pitchFamily="18" charset="0"/>
-                  </a:rPr>
+                  <a:rPr lang="en-US" sz="2000" b="1" dirty="0" err="1"/>
                   <a:t>label</a:t>
                 </a:r>
                 <a:r>
-                  <a:rPr lang="en-US" sz="2000" b="1" dirty="0">
-                    <a:latin typeface="Cambria Math" panose="02040503050406030204" pitchFamily="18" charset="0"/>
-                  </a:rPr>
+                  <a:rPr lang="en-US" sz="2000" b="1" dirty="0"/>
                   <a:t> </a:t>
                 </a:r>
                 <a:r>
-                  <a:rPr lang="en-US" sz="2000" dirty="0">
-                    <a:latin typeface="Cambria Math" panose="02040503050406030204" pitchFamily="18" charset="0"/>
-                  </a:rPr>
+                  <a:rPr lang="en-US" sz="2000" dirty="0"/>
                   <a:t>: </a:t>
                 </a:r>
                 <a14:m>
@@ -18966,7 +19407,7 @@
                       <m:rPr>
                         <m:sty m:val="p"/>
                       </m:rPr>
-                      <a:rPr lang="en-US" sz="2000" b="0" smtClean="0">
+                      <a:rPr lang="en-US" sz="2000" b="0">
                         <a:latin typeface="Cambria Math" panose="02040503050406030204" pitchFamily="18" charset="0"/>
                       </a:rPr>
                       <m:t>Φ</m:t>
@@ -18974,15 +19415,13 @@
                   </m:oMath>
                 </a14:m>
                 <a:r>
-                  <a:rPr lang="en-US" sz="2000" dirty="0">
-                    <a:latin typeface="Cambria Math" panose="02040503050406030204" pitchFamily="18" charset="0"/>
-                  </a:rPr>
-                  <a:t> </a:t>
+                  <a:rPr lang="en-US" sz="2000" dirty="0"/>
+                  <a:t> [ </a:t>
                 </a:r>
                 <a14:m>
                   <m:oMath xmlns:m="http://schemas.openxmlformats.org/officeDocument/2006/math">
                     <m:r>
-                      <a:rPr lang="en-US" sz="2000" b="1" i="1" smtClean="0">
+                      <a:rPr lang="en-US" sz="2000" b="1" i="1">
                         <a:latin typeface="Cambria Math" panose="02040503050406030204" pitchFamily="18" charset="0"/>
                       </a:rPr>
                       <m:t>𝚽</m:t>
@@ -18990,15 +19429,11 @@
                   </m:oMath>
                 </a14:m>
                 <a:r>
-                  <a:rPr lang="en-US" sz="2000" dirty="0">
-                    <a:latin typeface="Cambria Math" panose="02040503050406030204" pitchFamily="18" charset="0"/>
-                  </a:rPr>
-                  <a:t>*</a:t>
+                  <a:rPr lang="en-US" sz="2000" dirty="0"/>
+                  <a:t>* ]</a:t>
                 </a:r>
                 <a:r>
-                  <a:rPr lang="en-US" sz="2000" b="1" dirty="0">
-                    <a:latin typeface="Cambria Math" panose="02040503050406030204" pitchFamily="18" charset="0"/>
-                  </a:rPr>
+                  <a:rPr lang="en-US" sz="2000" b="1" dirty="0"/>
                   <a:t> </a:t>
                 </a:r>
                 <a14:m>
@@ -19006,14 +19441,14 @@
                     <m:sSup>
                       <m:sSupPr>
                         <m:ctrlPr>
-                          <a:rPr lang="en-US" sz="2000" b="1" i="1" dirty="0">
+                          <a:rPr lang="en-US" sz="2000" b="1" i="1">
                             <a:latin typeface="Cambria Math" panose="02040503050406030204" pitchFamily="18" charset="0"/>
                           </a:rPr>
                         </m:ctrlPr>
                       </m:sSupPr>
                       <m:e>
                         <m:r>
-                          <a:rPr lang="en-US" sz="2000" b="1" i="1" dirty="0" smtClean="0">
+                          <a:rPr lang="en-US" sz="2000" b="1" i="1">
                             <a:latin typeface="Cambria Math" panose="02040503050406030204" pitchFamily="18" charset="0"/>
                           </a:rPr>
                           <m:t>𝐢𝐧𝐬𝐭𝐫</m:t>
@@ -19021,7 +19456,7 @@
                       </m:e>
                       <m:sup>
                         <m:r>
-                          <a:rPr lang="en-US" sz="2000" b="1" dirty="0" smtClean="0">
+                          <a:rPr lang="en-US" sz="2000" b="1">
                             <a:latin typeface="Cambria Math" panose="02040503050406030204" pitchFamily="18" charset="0"/>
                           </a:rPr>
                           <m:t>+</m:t>
@@ -19030,9 +19465,7 @@
                     </m:sSup>
                   </m:oMath>
                 </a14:m>
-                <a:endParaRPr lang="en-US" sz="2000" b="1" dirty="0">
-                  <a:latin typeface="Cambria Math" panose="02040503050406030204" pitchFamily="18" charset="0"/>
-                </a:endParaRPr>
+                <a:endParaRPr lang="en-US" sz="2000" b="1" dirty="0"/>
               </a:p>
               <a:p>
                 <a:pPr>
@@ -19044,14 +19477,10 @@
                   </a:spcBef>
                 </a:pPr>
                 <a:r>
-                  <a:rPr lang="en-US" sz="2000" b="1" dirty="0" err="1">
-                    <a:latin typeface="Cambria Math" panose="02040503050406030204" pitchFamily="18" charset="0"/>
-                  </a:rPr>
+                  <a:rPr lang="en-US" sz="2000" b="1" dirty="0" err="1"/>
                   <a:t>basicblocks</a:t>
                 </a:r>
-                <a:endParaRPr lang="en-US" sz="2000" b="1" dirty="0">
-                  <a:latin typeface="Cambria Math" panose="02040503050406030204" pitchFamily="18" charset="0"/>
-                </a:endParaRPr>
+                <a:endParaRPr lang="en-US" sz="2000" b="1" dirty="0"/>
               </a:p>
               <a:p>
                 <a:pPr>
@@ -19063,28 +19492,22 @@
                   </a:spcBef>
                 </a:pPr>
                 <a:r>
-                  <a:rPr lang="en-US" sz="2000" b="1" dirty="0">
-                    <a:latin typeface="Cambria Math" panose="02040503050406030204" pitchFamily="18" charset="0"/>
-                  </a:rPr>
+                  <a:rPr lang="en-US" sz="2000" b="1" dirty="0"/>
                   <a:t>             </a:t>
                 </a:r>
                 <a:r>
-                  <a:rPr lang="en-US" sz="2000" b="1" dirty="0" err="1">
-                    <a:latin typeface="Cambria Math" panose="02040503050406030204" pitchFamily="18" charset="0"/>
-                  </a:rPr>
+                  <a:rPr lang="en-US" sz="2000" b="1" dirty="0" err="1"/>
                   <a:t>basicblock</a:t>
                 </a:r>
                 <a:r>
-                  <a:rPr lang="en-US" sz="2000" dirty="0">
-                    <a:latin typeface="Cambria Math" panose="02040503050406030204" pitchFamily="18" charset="0"/>
-                  </a:rPr>
+                  <a:rPr lang="en-US" sz="2000" dirty="0"/>
                   <a:t>*</a:t>
                 </a:r>
               </a:p>
             </p:txBody>
           </p:sp>
         </mc:Choice>
-        <mc:Fallback xmlns="">
+        <mc:Fallback>
           <p:sp>
             <p:nvSpPr>
               <p:cNvPr id="4" name="TextBox 3">
@@ -19101,8 +19524,8 @@
             </p:nvSpPr>
             <p:spPr>
               <a:xfrm>
-                <a:off x="3852067" y="1614990"/>
-                <a:ext cx="5151257" cy="4421723"/>
+                <a:off x="5615162" y="965259"/>
+                <a:ext cx="5542387" cy="4300447"/>
               </a:xfrm>
               <a:prstGeom prst="rect">
                 <a:avLst/>
@@ -19110,7 +19533,7 @@
               <a:blipFill>
                 <a:blip r:embed="rId2"/>
                 <a:stretch>
-                  <a:fillRect l="-1302" t="-1517" b="-1517"/>
+                  <a:fillRect l="-1100" t="-1416" b="-13598"/>
                 </a:stretch>
               </a:blipFill>
             </p:spPr>
@@ -19145,6 +19568,14 @@
 <file path=ppt/slides/slide9.xml><?xml version="1.0" encoding="utf-8"?>
 <p:sld xmlns:a="http://schemas.openxmlformats.org/drawingml/2006/main" xmlns:r="http://schemas.openxmlformats.org/officeDocument/2006/relationships" xmlns:p="http://schemas.openxmlformats.org/presentationml/2006/main">
   <p:cSld>
+    <p:bg>
+      <p:bgPr>
+        <a:solidFill>
+          <a:schemeClr val="bg1"/>
+        </a:solidFill>
+        <a:effectLst/>
+      </p:bgPr>
+    </p:bg>
     <p:spTree>
       <p:nvGrpSpPr>
         <p:cNvPr id="1" name=""/>
@@ -19161,6 +19592,71 @@
       </p:grpSpPr>
       <p:sp>
         <p:nvSpPr>
+          <p:cNvPr id="9" name="Rectangle 8">
+            <a:extLst>
+              <a:ext uri="{FF2B5EF4-FFF2-40B4-BE49-F238E27FC236}">
+                <a16:creationId xmlns:a16="http://schemas.microsoft.com/office/drawing/2014/main" id="{1707FC24-6981-43D9-B525-C7832BA22463}"/>
+              </a:ext>
+              <a:ext uri="{C183D7F6-B498-43B3-948B-1728B52AA6E4}">
+                <adec:decorative xmlns:adec="http://schemas.microsoft.com/office/drawing/2017/decorative" val="1"/>
+              </a:ext>
+            </a:extLst>
+          </p:cNvPr>
+          <p:cNvSpPr>
+            <a:spLocks noGrp="1" noRot="1" noChangeAspect="1" noMove="1" noResize="1" noEditPoints="1" noAdjustHandles="1" noChangeArrowheads="1" noChangeShapeType="1" noTextEdit="1"/>
+          </p:cNvSpPr>
+          <p:nvPr>
+            <p:extLst>
+              <p:ext uri="{386F3935-93C4-4BCD-93E2-E3B085C9AB24}">
+                <p16:designElem xmlns:p16="http://schemas.microsoft.com/office/powerpoint/2015/main" val="1"/>
+              </p:ext>
+            </p:extLst>
+          </p:nvPr>
+        </p:nvSpPr>
+        <p:spPr bwMode="ltGray">
+          <a:xfrm>
+            <a:off x="336884" y="311449"/>
+            <a:ext cx="4332307" cy="6179552"/>
+          </a:xfrm>
+          <a:prstGeom prst="rect">
+            <a:avLst/>
+          </a:prstGeom>
+          <a:solidFill>
+            <a:srgbClr val="404040"/>
+          </a:solidFill>
+          <a:ln w="127000" cap="sq" cmpd="thinThick">
+            <a:solidFill>
+              <a:srgbClr val="404040"/>
+            </a:solidFill>
+          </a:ln>
+        </p:spPr>
+        <p:style>
+          <a:lnRef idx="2">
+            <a:schemeClr val="accent1">
+              <a:shade val="50000"/>
+            </a:schemeClr>
+          </a:lnRef>
+          <a:fillRef idx="1">
+            <a:schemeClr val="accent1"/>
+          </a:fillRef>
+          <a:effectRef idx="0">
+            <a:schemeClr val="accent1"/>
+          </a:effectRef>
+          <a:fontRef idx="minor">
+            <a:schemeClr val="lt1"/>
+          </a:fontRef>
+        </p:style>
+        <p:txBody>
+          <a:bodyPr rtlCol="0" anchor="ctr"/>
+          <a:lstStyle/>
+          <a:p>
+            <a:pPr algn="ctr"/>
+            <a:endParaRPr lang="en-US"/>
+          </a:p>
+        </p:txBody>
+      </p:sp>
+      <p:sp>
+        <p:nvSpPr>
           <p:cNvPr id="2" name="Title 1">
             <a:extLst>
               <a:ext uri="{FF2B5EF4-FFF2-40B4-BE49-F238E27FC236}">
@@ -19175,18 +19671,293 @@
             <p:ph type="title"/>
           </p:nvPr>
         </p:nvSpPr>
-        <p:spPr/>
+        <p:spPr>
+          <a:xfrm>
+            <a:off x="742950" y="742951"/>
+            <a:ext cx="3476625" cy="4962524"/>
+          </a:xfrm>
+        </p:spPr>
         <p:txBody>
-          <a:bodyPr/>
+          <a:bodyPr vert="horz" lIns="91440" tIns="45720" rIns="91440" bIns="45720" rtlCol="0" anchor="ctr">
+            <a:normAutofit/>
+          </a:bodyPr>
           <a:lstStyle/>
           <a:p>
+            <a:pPr algn="ctr"/>
             <a:r>
-              <a:rPr lang="en-US" dirty="0"/>
+              <a:rPr lang="en-US" sz="4800" kern="1200">
+                <a:solidFill>
+                  <a:srgbClr val="FFFFFF"/>
+                </a:solidFill>
+                <a:latin typeface="+mj-lt"/>
+                <a:ea typeface="+mj-ea"/>
+                <a:cs typeface="+mj-cs"/>
+              </a:rPr>
               <a:t>The Target Intermediate Language of DYNJIT</a:t>
             </a:r>
           </a:p>
         </p:txBody>
       </p:sp>
+      <mc:AlternateContent xmlns:mc="http://schemas.openxmlformats.org/markup-compatibility/2006">
+        <mc:Choice xmlns:a14="http://schemas.microsoft.com/office/drawing/2010/main" Requires="a14">
+          <p:sp>
+            <p:nvSpPr>
+              <p:cNvPr id="4" name="TextBox 3">
+                <a:extLst>
+                  <a:ext uri="{FF2B5EF4-FFF2-40B4-BE49-F238E27FC236}">
+                    <a16:creationId xmlns:a16="http://schemas.microsoft.com/office/drawing/2014/main" id="{899933F3-37BB-4861-8809-E0568D56DE11}"/>
+                  </a:ext>
+                </a:extLst>
+              </p:cNvPr>
+              <p:cNvSpPr txBox="1"/>
+              <p:nvPr/>
+            </p:nvSpPr>
+            <p:spPr>
+              <a:xfrm>
+                <a:off x="5194300" y="4733925"/>
+                <a:ext cx="6470650" cy="1598613"/>
+              </a:xfrm>
+              <a:prstGeom prst="rect">
+                <a:avLst/>
+              </a:prstGeom>
+              <a:noFill/>
+            </p:spPr>
+            <p:txBody>
+              <a:bodyPr wrap="square" rtlCol="0" anchor="t">
+                <a:normAutofit/>
+              </a:bodyPr>
+              <a:lstStyle/>
+              <a:p>
+                <a:pPr>
+                  <a:lnSpc>
+                    <a:spcPct val="90000"/>
+                  </a:lnSpc>
+                  <a:spcAft>
+                    <a:spcPts val="600"/>
+                  </a:spcAft>
+                </a:pPr>
+                <a:r>
+                  <a:rPr lang="en-US" sz="1500" b="1" dirty="0" err="1">
+                    <a:latin typeface="Cambria Math" panose="02040503050406030204" pitchFamily="18" charset="0"/>
+                  </a:rPr>
+                  <a:t>absvalue</a:t>
+                </a:r>
+                <a:r>
+                  <a:rPr lang="en-US" sz="1500" b="1" dirty="0">
+                    <a:latin typeface="Cambria Math" panose="02040503050406030204" pitchFamily="18" charset="0"/>
+                  </a:rPr>
+                  <a:t>   </a:t>
+                </a:r>
+                <a:r>
+                  <a:rPr lang="en-US" sz="1500" dirty="0">
+                    <a:latin typeface="Cambria Math" panose="02040503050406030204" pitchFamily="18" charset="0"/>
+                  </a:rPr>
+                  <a:t> </a:t>
+                </a:r>
+                <a:r>
+                  <a:rPr lang="en-US" sz="1500" dirty="0"/>
+                  <a:t>&lt;</a:t>
+                </a:r>
+                <a:r>
+                  <a:rPr lang="en-US" sz="1500" b="1" dirty="0" err="1">
+                    <a:latin typeface="Cambria Math" panose="02040503050406030204" pitchFamily="18" charset="0"/>
+                  </a:rPr>
+                  <a:t>repr</a:t>
+                </a:r>
+                <a:r>
+                  <a:rPr lang="en-US" sz="1500" dirty="0">
+                    <a:latin typeface="Cambria Math" panose="02040503050406030204" pitchFamily="18" charset="0"/>
+                  </a:rPr>
+                  <a:t>,  </a:t>
+                </a:r>
+                <a:r>
+                  <a:rPr lang="en-US" sz="1500" b="1" dirty="0">
+                    <a:latin typeface="Cambria Math" panose="02040503050406030204" pitchFamily="18" charset="0"/>
+                  </a:rPr>
+                  <a:t>type</a:t>
+                </a:r>
+                <a:r>
+                  <a:rPr lang="en-US" sz="1500" dirty="0"/>
+                  <a:t>&gt;</a:t>
+                </a:r>
+              </a:p>
+              <a:p>
+                <a:pPr>
+                  <a:lnSpc>
+                    <a:spcPct val="90000"/>
+                  </a:lnSpc>
+                  <a:spcAft>
+                    <a:spcPts val="600"/>
+                  </a:spcAft>
+                </a:pPr>
+                <a:endParaRPr lang="en-US" sz="1500" dirty="0">
+                  <a:latin typeface="Cambria Math" panose="02040503050406030204" pitchFamily="18" charset="0"/>
+                </a:endParaRPr>
+              </a:p>
+              <a:p>
+                <a:pPr>
+                  <a:lnSpc>
+                    <a:spcPct val="90000"/>
+                  </a:lnSpc>
+                  <a:spcAft>
+                    <a:spcPts val="600"/>
+                  </a:spcAft>
+                </a:pPr>
+                <a:r>
+                  <a:rPr lang="en-US" sz="1500" b="1" dirty="0">
+                    <a:latin typeface="Cambria Math" panose="02040503050406030204" pitchFamily="18" charset="0"/>
+                  </a:rPr>
+                  <a:t>case</a:t>
+                </a:r>
+                <a:r>
+                  <a:rPr lang="en-US" sz="1500" dirty="0">
+                    <a:latin typeface="Cambria Math" panose="02040503050406030204" pitchFamily="18" charset="0"/>
+                  </a:rPr>
+                  <a:t>             | </a:t>
+                </a:r>
+                <a:r>
+                  <a:rPr lang="en-US" sz="1500" b="1" dirty="0">
+                    <a:latin typeface="Cambria Math" panose="02040503050406030204" pitchFamily="18" charset="0"/>
+                  </a:rPr>
+                  <a:t>type </a:t>
+                </a:r>
+                <a14:m>
+                  <m:oMath xmlns:m="http://schemas.openxmlformats.org/officeDocument/2006/math">
+                    <m:r>
+                      <a:rPr lang="en-US" sz="1500" b="0" i="1" smtClean="0">
+                        <a:latin typeface="Cambria Math" panose="02040503050406030204" pitchFamily="18" charset="0"/>
+                      </a:rPr>
+                      <m:t>→</m:t>
+                    </m:r>
+                  </m:oMath>
+                </a14:m>
+                <a:r>
+                  <a:rPr lang="en-US" sz="1500" dirty="0">
+                    <a:latin typeface="Cambria Math" panose="02040503050406030204" pitchFamily="18" charset="0"/>
+                  </a:rPr>
+                  <a:t>  </a:t>
+                </a:r>
+                <a:r>
+                  <a:rPr lang="en-US" sz="1500" b="1" dirty="0" err="1">
+                    <a:latin typeface="Cambria Math" panose="02040503050406030204" pitchFamily="18" charset="0"/>
+                  </a:rPr>
+                  <a:t>stmt</a:t>
+                </a:r>
+                <a:r>
+                  <a:rPr lang="en-US" sz="1500" b="1" dirty="0">
+                    <a:latin typeface="Cambria Math" panose="02040503050406030204" pitchFamily="18" charset="0"/>
+                  </a:rPr>
+                  <a:t> </a:t>
+                </a:r>
+              </a:p>
+              <a:p>
+                <a:pPr>
+                  <a:lnSpc>
+                    <a:spcPct val="90000"/>
+                  </a:lnSpc>
+                  <a:spcAft>
+                    <a:spcPts val="600"/>
+                  </a:spcAft>
+                </a:pPr>
+                <a:endParaRPr lang="en-US" sz="1500" b="1" dirty="0">
+                  <a:latin typeface="Cambria Math" panose="02040503050406030204" pitchFamily="18" charset="0"/>
+                </a:endParaRPr>
+              </a:p>
+              <a:p>
+                <a:pPr>
+                  <a:lnSpc>
+                    <a:spcPct val="90000"/>
+                  </a:lnSpc>
+                  <a:spcAft>
+                    <a:spcPts val="600"/>
+                  </a:spcAft>
+                </a:pPr>
+                <a:r>
+                  <a:rPr lang="en-US" sz="1500" b="1" dirty="0" err="1">
+                    <a:latin typeface="Cambria Math" panose="02040503050406030204" pitchFamily="18" charset="0"/>
+                  </a:rPr>
+                  <a:t>stmts</a:t>
+                </a:r>
+                <a:r>
+                  <a:rPr lang="en-US" sz="1500" b="1" dirty="0">
+                    <a:latin typeface="Cambria Math" panose="02040503050406030204" pitchFamily="18" charset="0"/>
+                  </a:rPr>
+                  <a:t>          </a:t>
+                </a:r>
+                <a:r>
+                  <a:rPr lang="en-US" sz="1500" b="1" dirty="0" err="1">
+                    <a:latin typeface="Cambria Math" panose="02040503050406030204" pitchFamily="18" charset="0"/>
+                  </a:rPr>
+                  <a:t>stmt</a:t>
+                </a:r>
+                <a:r>
+                  <a:rPr lang="en-US" sz="1500" b="1" dirty="0">
+                    <a:latin typeface="Cambria Math" panose="02040503050406030204" pitchFamily="18" charset="0"/>
+                  </a:rPr>
+                  <a:t>* </a:t>
+                </a:r>
+              </a:p>
+              <a:p>
+                <a:pPr>
+                  <a:lnSpc>
+                    <a:spcPct val="90000"/>
+                  </a:lnSpc>
+                  <a:spcAft>
+                    <a:spcPts val="600"/>
+                  </a:spcAft>
+                </a:pPr>
+                <a:endParaRPr lang="en-US" sz="1500" dirty="0">
+                  <a:latin typeface="Cambria Math" panose="02040503050406030204" pitchFamily="18" charset="0"/>
+                </a:endParaRPr>
+              </a:p>
+            </p:txBody>
+          </p:sp>
+        </mc:Choice>
+        <mc:Fallback>
+          <p:sp>
+            <p:nvSpPr>
+              <p:cNvPr id="4" name="TextBox 3">
+                <a:extLst>
+                  <a:ext uri="{FF2B5EF4-FFF2-40B4-BE49-F238E27FC236}">
+                    <a16:creationId xmlns:a16="http://schemas.microsoft.com/office/drawing/2014/main" id="{899933F3-37BB-4861-8809-E0568D56DE11}"/>
+                  </a:ext>
+                </a:extLst>
+              </p:cNvPr>
+              <p:cNvSpPr txBox="1">
+                <a:spLocks noRot="1" noChangeAspect="1" noMove="1" noResize="1" noEditPoints="1" noAdjustHandles="1" noChangeArrowheads="1" noChangeShapeType="1" noTextEdit="1"/>
+              </p:cNvSpPr>
+              <p:nvPr/>
+            </p:nvSpPr>
+            <p:spPr>
+              <a:xfrm>
+                <a:off x="5194300" y="4733925"/>
+                <a:ext cx="6470650" cy="1598613"/>
+              </a:xfrm>
+              <a:prstGeom prst="rect">
+                <a:avLst/>
+              </a:prstGeom>
+              <a:blipFill>
+                <a:blip r:embed="rId2"/>
+                <a:stretch>
+                  <a:fillRect l="-377" t="-2672"/>
+                </a:stretch>
+              </a:blipFill>
+            </p:spPr>
+            <p:txBody>
+              <a:bodyPr/>
+              <a:lstStyle/>
+              <a:p>
+                <a:r>
+                  <a:rPr lang="en-US">
+                    <a:noFill/>
+                  </a:rPr>
+                  <a:t> </a:t>
+                </a:r>
+              </a:p>
+            </p:txBody>
+          </p:sp>
+        </mc:Fallback>
+      </mc:AlternateContent>
       <p:sp>
         <p:nvSpPr>
           <p:cNvPr id="3" name="Content Placeholder 2">
@@ -19205,13 +19976,13 @@
         </p:nvSpPr>
         <p:spPr>
           <a:xfrm>
-            <a:off x="726486" y="1690688"/>
-            <a:ext cx="6216334" cy="5319935"/>
+            <a:off x="5194300" y="533400"/>
+            <a:ext cx="6470650" cy="4117975"/>
           </a:xfrm>
         </p:spPr>
         <p:txBody>
-          <a:bodyPr>
-            <a:noAutofit/>
+          <a:bodyPr wrap="square" anchor="t">
+            <a:normAutofit/>
           </a:bodyPr>
           <a:lstStyle/>
           <a:p>
@@ -19219,55 +19990,55 @@
               <a:buNone/>
             </a:pPr>
             <a:r>
-              <a:rPr lang="en-US" sz="2400" b="1" dirty="0">
+              <a:rPr lang="en-US" sz="2000" b="1">
                 <a:latin typeface="Cambria Math" panose="02040503050406030204" pitchFamily="18" charset="0"/>
               </a:rPr>
               <a:t>expr</a:t>
             </a:r>
             <a:r>
-              <a:rPr lang="en-US" sz="2400" dirty="0">
+              <a:rPr lang="en-US" sz="2000">
                 <a:latin typeface="Cambria Math" panose="02040503050406030204" pitchFamily="18" charset="0"/>
               </a:rPr>
               <a:t>    </a:t>
             </a:r>
             <a:r>
-              <a:rPr lang="en-US" sz="2400" b="1" dirty="0" err="1">
+              <a:rPr lang="en-US" sz="2000" b="1" err="1">
                 <a:latin typeface="Cambria Math" panose="02040503050406030204" pitchFamily="18" charset="0"/>
               </a:rPr>
               <a:t>absvalue</a:t>
             </a:r>
             <a:r>
-              <a:rPr lang="en-US" sz="2400" b="1" dirty="0">
+              <a:rPr lang="en-US" sz="2000" b="1">
                 <a:latin typeface="Cambria Math" panose="02040503050406030204" pitchFamily="18" charset="0"/>
               </a:rPr>
               <a:t> </a:t>
             </a:r>
             <a:r>
-              <a:rPr lang="en-US" sz="2400" dirty="0">
+              <a:rPr lang="en-US" sz="2000">
                 <a:latin typeface="Cambria Math" panose="02040503050406030204" pitchFamily="18" charset="0"/>
               </a:rPr>
               <a:t>| call </a:t>
             </a:r>
             <a:r>
-              <a:rPr lang="en-US" sz="2400" b="1" dirty="0">
+              <a:rPr lang="en-US" sz="2000" b="1">
                 <a:latin typeface="Cambria Math" panose="02040503050406030204" pitchFamily="18" charset="0"/>
               </a:rPr>
               <a:t>expr</a:t>
             </a:r>
             <a:r>
-              <a:rPr lang="en-US" sz="2400" dirty="0">
+              <a:rPr lang="en-US" sz="2000">
                 <a:latin typeface="Cambria Math" panose="02040503050406030204" pitchFamily="18" charset="0"/>
               </a:rPr>
               <a:t>(</a:t>
             </a:r>
             <a:r>
-              <a:rPr lang="en-US" sz="2400" b="1" dirty="0">
+              <a:rPr lang="en-US" sz="2000" b="1">
                 <a:latin typeface="Cambria Math" panose="02040503050406030204" pitchFamily="18" charset="0"/>
               </a:rPr>
               <a:t>expr</a:t>
             </a:r>
             <a:r>
-              <a:rPr lang="en-US" sz="2400" dirty="0">
+              <a:rPr lang="en-US" sz="2000">
                 <a:latin typeface="Cambria Math" panose="02040503050406030204" pitchFamily="18" charset="0"/>
               </a:rPr>
               <a:t>*)</a:t>
@@ -19278,37 +20049,37 @@
               <a:buNone/>
             </a:pPr>
             <a:r>
-              <a:rPr lang="en-US" sz="2400" b="1" dirty="0" err="1">
+              <a:rPr lang="en-US" sz="2000" b="1" err="1">
                 <a:latin typeface="Cambria Math" panose="02040503050406030204" pitchFamily="18" charset="0"/>
               </a:rPr>
               <a:t>stmt</a:t>
             </a:r>
             <a:r>
-              <a:rPr lang="en-US" sz="2400" b="1" dirty="0">
+              <a:rPr lang="en-US" sz="2000" b="1">
                 <a:latin typeface="Cambria Math" panose="02040503050406030204" pitchFamily="18" charset="0"/>
               </a:rPr>
               <a:t>   </a:t>
             </a:r>
             <a:r>
-              <a:rPr lang="en-US" sz="2400" dirty="0">
+              <a:rPr lang="en-US" sz="2000">
                 <a:latin typeface="Cambria Math" panose="02040503050406030204" pitchFamily="18" charset="0"/>
               </a:rPr>
               <a:t> </a:t>
             </a:r>
             <a:r>
-              <a:rPr lang="en-US" sz="2400" b="1" dirty="0">
+              <a:rPr lang="en-US" sz="2000" b="1">
                 <a:latin typeface="Cambria Math" panose="02040503050406030204" pitchFamily="18" charset="0"/>
               </a:rPr>
               <a:t>var </a:t>
             </a:r>
             <a:r>
-              <a:rPr lang="en-US" sz="2400" dirty="0">
+              <a:rPr lang="en-US" sz="2000">
                 <a:latin typeface="Cambria Math" panose="02040503050406030204" pitchFamily="18" charset="0"/>
               </a:rPr>
               <a:t>= </a:t>
             </a:r>
             <a:r>
-              <a:rPr lang="en-US" sz="2400" b="1" dirty="0">
+              <a:rPr lang="en-US" sz="2000" b="1">
                 <a:latin typeface="Cambria Math" panose="02040503050406030204" pitchFamily="18" charset="0"/>
               </a:rPr>
               <a:t>expr </a:t>
@@ -19319,25 +20090,25 @@
               <a:buNone/>
             </a:pPr>
             <a:r>
-              <a:rPr lang="en-US" sz="2400" dirty="0">
+              <a:rPr lang="en-US" sz="2000">
                 <a:latin typeface="Cambria Math" panose="02040503050406030204" pitchFamily="18" charset="0"/>
               </a:rPr>
               <a:t>            | </a:t>
             </a:r>
             <a:r>
-              <a:rPr lang="en-US" sz="2400" dirty="0" err="1">
+              <a:rPr lang="en-US" sz="2000" err="1">
                 <a:latin typeface="Cambria Math" panose="02040503050406030204" pitchFamily="18" charset="0"/>
               </a:rPr>
               <a:t>goto</a:t>
             </a:r>
             <a:r>
-              <a:rPr lang="en-US" sz="2400" dirty="0">
+              <a:rPr lang="en-US" sz="2000">
                 <a:latin typeface="Cambria Math" panose="02040503050406030204" pitchFamily="18" charset="0"/>
               </a:rPr>
               <a:t> </a:t>
             </a:r>
             <a:r>
-              <a:rPr lang="en-US" sz="2400" b="1" dirty="0">
+              <a:rPr lang="en-US" sz="2000" b="1">
                 <a:latin typeface="Cambria Math" panose="02040503050406030204" pitchFamily="18" charset="0"/>
               </a:rPr>
               <a:t>label</a:t>
@@ -19348,13 +20119,13 @@
               <a:buNone/>
             </a:pPr>
             <a:r>
-              <a:rPr lang="en-US" sz="2400" dirty="0">
+              <a:rPr lang="en-US" sz="2000">
                 <a:latin typeface="Cambria Math" panose="02040503050406030204" pitchFamily="18" charset="0"/>
               </a:rPr>
               <a:t>            | return </a:t>
             </a:r>
             <a:r>
-              <a:rPr lang="en-US" sz="2400" b="1" dirty="0">
+              <a:rPr lang="en-US" sz="2000" b="1">
                 <a:latin typeface="Cambria Math" panose="02040503050406030204" pitchFamily="18" charset="0"/>
               </a:rPr>
               <a:t>expr</a:t>
@@ -19365,49 +20136,49 @@
               <a:buNone/>
             </a:pPr>
             <a:r>
-              <a:rPr lang="en-US" sz="2400" dirty="0">
+              <a:rPr lang="en-US" sz="2000">
                 <a:latin typeface="Cambria Math" panose="02040503050406030204" pitchFamily="18" charset="0"/>
               </a:rPr>
               <a:t>            | if </a:t>
             </a:r>
             <a:r>
-              <a:rPr lang="en-US" sz="2400" b="1" dirty="0">
+              <a:rPr lang="en-US" sz="2000" b="1">
                 <a:latin typeface="Cambria Math" panose="02040503050406030204" pitchFamily="18" charset="0"/>
               </a:rPr>
               <a:t>expr </a:t>
             </a:r>
             <a:r>
-              <a:rPr lang="en-US" sz="2400" dirty="0" err="1">
+              <a:rPr lang="en-US" sz="2000" err="1">
                 <a:latin typeface="Cambria Math" panose="02040503050406030204" pitchFamily="18" charset="0"/>
               </a:rPr>
               <a:t>goto</a:t>
             </a:r>
             <a:r>
-              <a:rPr lang="en-US" sz="2400" dirty="0">
+              <a:rPr lang="en-US" sz="2000">
                 <a:latin typeface="Cambria Math" panose="02040503050406030204" pitchFamily="18" charset="0"/>
               </a:rPr>
               <a:t> </a:t>
             </a:r>
             <a:r>
-              <a:rPr lang="en-US" sz="2400" b="1" dirty="0">
+              <a:rPr lang="en-US" sz="2000" b="1">
                 <a:latin typeface="Cambria Math" panose="02040503050406030204" pitchFamily="18" charset="0"/>
               </a:rPr>
               <a:t>label </a:t>
             </a:r>
             <a:r>
-              <a:rPr lang="en-US" sz="2400" dirty="0" err="1">
+              <a:rPr lang="en-US" sz="2000" err="1">
                 <a:latin typeface="Cambria Math" panose="02040503050406030204" pitchFamily="18" charset="0"/>
               </a:rPr>
               <a:t>goto</a:t>
             </a:r>
             <a:r>
-              <a:rPr lang="en-US" sz="2400" dirty="0">
+              <a:rPr lang="en-US" sz="2000">
                 <a:latin typeface="Cambria Math" panose="02040503050406030204" pitchFamily="18" charset="0"/>
               </a:rPr>
               <a:t> </a:t>
             </a:r>
             <a:r>
-              <a:rPr lang="en-US" sz="2400" b="1" dirty="0">
+              <a:rPr lang="en-US" sz="2000" b="1">
                 <a:latin typeface="Cambria Math" panose="02040503050406030204" pitchFamily="18" charset="0"/>
               </a:rPr>
               <a:t>label</a:t>
@@ -19418,48 +20189,48 @@
               <a:buNone/>
             </a:pPr>
             <a:r>
-              <a:rPr lang="en-US" sz="2400" dirty="0">
+              <a:rPr lang="en-US" sz="2000">
                 <a:latin typeface="Cambria Math" panose="02040503050406030204" pitchFamily="18" charset="0"/>
               </a:rPr>
               <a:t>            | if </a:t>
             </a:r>
             <a:r>
-              <a:rPr lang="en-US" sz="2400" b="1" dirty="0">
+              <a:rPr lang="en-US" sz="2000" b="1">
                 <a:latin typeface="Cambria Math" panose="02040503050406030204" pitchFamily="18" charset="0"/>
               </a:rPr>
               <a:t>expr </a:t>
             </a:r>
             <a:r>
-              <a:rPr lang="en-US" sz="2400" dirty="0">
+              <a:rPr lang="en-US" sz="2000">
                 <a:latin typeface="Cambria Math" panose="02040503050406030204" pitchFamily="18" charset="0"/>
               </a:rPr>
               <a:t>then </a:t>
             </a:r>
             <a:r>
-              <a:rPr lang="en-US" sz="2400" b="1" dirty="0" err="1">
+              <a:rPr lang="en-US" sz="2000" b="1" err="1">
                 <a:latin typeface="Cambria Math" panose="02040503050406030204" pitchFamily="18" charset="0"/>
               </a:rPr>
               <a:t>stmt</a:t>
             </a:r>
             <a:r>
-              <a:rPr lang="en-US" sz="2400" b="1" dirty="0">
+              <a:rPr lang="en-US" sz="2000" b="1">
                 <a:latin typeface="Cambria Math" panose="02040503050406030204" pitchFamily="18" charset="0"/>
               </a:rPr>
               <a:t> </a:t>
             </a:r>
             <a:r>
-              <a:rPr lang="en-US" sz="2400" dirty="0">
+              <a:rPr lang="en-US" sz="2000">
                 <a:latin typeface="Cambria Math" panose="02040503050406030204" pitchFamily="18" charset="0"/>
               </a:rPr>
               <a:t>else </a:t>
             </a:r>
             <a:r>
-              <a:rPr lang="en-US" sz="2400" b="1" dirty="0" err="1">
+              <a:rPr lang="en-US" sz="2000" b="1" err="1">
                 <a:latin typeface="Cambria Math" panose="02040503050406030204" pitchFamily="18" charset="0"/>
               </a:rPr>
               <a:t>stmt</a:t>
             </a:r>
-            <a:endParaRPr lang="en-US" sz="2400" b="1" dirty="0">
+            <a:endParaRPr lang="en-US" sz="2000" b="1">
               <a:latin typeface="Cambria Math" panose="02040503050406030204" pitchFamily="18" charset="0"/>
             </a:endParaRPr>
           </a:p>
@@ -19468,13 +20239,13 @@
               <a:buNone/>
             </a:pPr>
             <a:r>
-              <a:rPr lang="en-US" sz="2400" dirty="0">
+              <a:rPr lang="en-US" sz="2000">
                 <a:latin typeface="Cambria Math" panose="02040503050406030204" pitchFamily="18" charset="0"/>
               </a:rPr>
               <a:t>            | do </a:t>
             </a:r>
             <a:r>
-              <a:rPr lang="en-US" sz="2400" b="1" dirty="0">
+              <a:rPr lang="en-US" sz="2000" b="1">
                 <a:latin typeface="Cambria Math" panose="02040503050406030204" pitchFamily="18" charset="0"/>
               </a:rPr>
               <a:t>expr</a:t>
@@ -19485,18 +20256,18 @@
               <a:buNone/>
             </a:pPr>
             <a:r>
-              <a:rPr lang="en-US" sz="2400" dirty="0">
+              <a:rPr lang="en-US" sz="2000">
                 <a:latin typeface="Cambria Math" panose="02040503050406030204" pitchFamily="18" charset="0"/>
               </a:rPr>
               <a:t>            | label </a:t>
             </a:r>
             <a:r>
-              <a:rPr lang="en-US" sz="2400" b="1" dirty="0" err="1">
+              <a:rPr lang="en-US" sz="2000" b="1" err="1">
                 <a:latin typeface="Cambria Math" panose="02040503050406030204" pitchFamily="18" charset="0"/>
               </a:rPr>
               <a:t>label</a:t>
             </a:r>
-            <a:endParaRPr lang="en-US" sz="2400" b="1" dirty="0">
+            <a:endParaRPr lang="en-US" sz="2000" b="1">
               <a:latin typeface="Cambria Math" panose="02040503050406030204" pitchFamily="18" charset="0"/>
             </a:endParaRPr>
           </a:p>
@@ -19505,19 +20276,19 @@
               <a:buNone/>
             </a:pPr>
             <a:r>
-              <a:rPr lang="en-US" sz="2400" dirty="0">
+              <a:rPr lang="en-US" sz="2000">
                 <a:latin typeface="Cambria Math" panose="02040503050406030204" pitchFamily="18" charset="0"/>
               </a:rPr>
               <a:t>            | { </a:t>
             </a:r>
             <a:r>
-              <a:rPr lang="en-US" sz="2400" b="1" dirty="0">
+              <a:rPr lang="en-US" sz="2000" b="1">
                 <a:latin typeface="Cambria Math" panose="02040503050406030204" pitchFamily="18" charset="0"/>
               </a:rPr>
               <a:t>expr</a:t>
             </a:r>
             <a:r>
-              <a:rPr lang="en-US" sz="2400" dirty="0">
+              <a:rPr lang="en-US" sz="2000">
                 <a:latin typeface="Cambria Math" panose="02040503050406030204" pitchFamily="18" charset="0"/>
               </a:rPr>
               <a:t>* }</a:t>
@@ -19528,19 +20299,19 @@
               <a:buNone/>
             </a:pPr>
             <a:r>
-              <a:rPr lang="en-US" sz="2400" dirty="0">
+              <a:rPr lang="en-US" sz="2000">
                 <a:latin typeface="Cambria Math" panose="02040503050406030204" pitchFamily="18" charset="0"/>
               </a:rPr>
               <a:t>            | switch </a:t>
             </a:r>
             <a:r>
-              <a:rPr lang="en-US" sz="2400" b="1" dirty="0">
+              <a:rPr lang="en-US" sz="2000" b="1">
                 <a:latin typeface="Cambria Math" panose="02040503050406030204" pitchFamily="18" charset="0"/>
               </a:rPr>
               <a:t>expr case</a:t>
             </a:r>
             <a:r>
-              <a:rPr lang="en-US" sz="2400" dirty="0">
+              <a:rPr lang="en-US" sz="2000">
                 <a:latin typeface="Cambria Math" panose="02040503050406030204" pitchFamily="18" charset="0"/>
               </a:rPr>
               <a:t>*</a:t>
@@ -19548,218 +20319,6 @@
           </a:p>
         </p:txBody>
       </p:sp>
-      <mc:AlternateContent xmlns:mc="http://schemas.openxmlformats.org/markup-compatibility/2006" xmlns:a14="http://schemas.microsoft.com/office/drawing/2010/main">
-        <mc:Choice Requires="a14">
-          <p:sp>
-            <p:nvSpPr>
-              <p:cNvPr id="4" name="TextBox 3">
-                <a:extLst>
-                  <a:ext uri="{FF2B5EF4-FFF2-40B4-BE49-F238E27FC236}">
-                    <a16:creationId xmlns:a16="http://schemas.microsoft.com/office/drawing/2014/main" id="{899933F3-37BB-4861-8809-E0568D56DE11}"/>
-                  </a:ext>
-                </a:extLst>
-              </p:cNvPr>
-              <p:cNvSpPr txBox="1"/>
-              <p:nvPr/>
-            </p:nvSpPr>
-            <p:spPr>
-              <a:xfrm>
-                <a:off x="6839381" y="1690688"/>
-                <a:ext cx="4874042" cy="2369880"/>
-              </a:xfrm>
-              <a:prstGeom prst="rect">
-                <a:avLst/>
-              </a:prstGeom>
-              <a:noFill/>
-            </p:spPr>
-            <p:txBody>
-              <a:bodyPr wrap="square" rtlCol="0">
-                <a:spAutoFit/>
-              </a:bodyPr>
-              <a:lstStyle/>
-              <a:p>
-                <a:r>
-                  <a:rPr lang="en-US" sz="2400" b="1" dirty="0" err="1">
-                    <a:latin typeface="Cambria Math" panose="02040503050406030204" pitchFamily="18" charset="0"/>
-                  </a:rPr>
-                  <a:t>absvalue</a:t>
-                </a:r>
-                <a:r>
-                  <a:rPr lang="en-US" sz="2400" b="1" dirty="0">
-                    <a:latin typeface="Cambria Math" panose="02040503050406030204" pitchFamily="18" charset="0"/>
-                  </a:rPr>
-                  <a:t>   </a:t>
-                </a:r>
-                <a:r>
-                  <a:rPr lang="en-US" sz="2400" dirty="0">
-                    <a:latin typeface="Cambria Math" panose="02040503050406030204" pitchFamily="18" charset="0"/>
-                  </a:rPr>
-                  <a:t> </a:t>
-                </a:r>
-                <a:r>
-                  <a:rPr lang="en-US" sz="2800" dirty="0"/>
-                  <a:t>&lt;</a:t>
-                </a:r>
-                <a:r>
-                  <a:rPr lang="en-US" sz="2400" b="1" dirty="0" err="1">
-                    <a:latin typeface="Cambria Math" panose="02040503050406030204" pitchFamily="18" charset="0"/>
-                  </a:rPr>
-                  <a:t>repr</a:t>
-                </a:r>
-                <a:r>
-                  <a:rPr lang="en-US" sz="2400" dirty="0">
-                    <a:latin typeface="Cambria Math" panose="02040503050406030204" pitchFamily="18" charset="0"/>
-                  </a:rPr>
-                  <a:t>,  </a:t>
-                </a:r>
-                <a:r>
-                  <a:rPr lang="en-US" sz="2400" b="1" dirty="0">
-                    <a:latin typeface="Cambria Math" panose="02040503050406030204" pitchFamily="18" charset="0"/>
-                  </a:rPr>
-                  <a:t>type</a:t>
-                </a:r>
-                <a:r>
-                  <a:rPr lang="en-US" sz="2800" dirty="0"/>
-                  <a:t>&gt;</a:t>
-                </a:r>
-              </a:p>
-              <a:p>
-                <a:endParaRPr lang="en-US" sz="2400" dirty="0">
-                  <a:latin typeface="Cambria Math" panose="02040503050406030204" pitchFamily="18" charset="0"/>
-                </a:endParaRPr>
-              </a:p>
-              <a:p>
-                <a:r>
-                  <a:rPr lang="en-US" sz="2400" b="1" dirty="0">
-                    <a:latin typeface="Cambria Math" panose="02040503050406030204" pitchFamily="18" charset="0"/>
-                  </a:rPr>
-                  <a:t>case</a:t>
-                </a:r>
-                <a:r>
-                  <a:rPr lang="en-US" sz="2400" dirty="0">
-                    <a:latin typeface="Cambria Math" panose="02040503050406030204" pitchFamily="18" charset="0"/>
-                  </a:rPr>
-                  <a:t>             | </a:t>
-                </a:r>
-                <a:r>
-                  <a:rPr lang="en-US" sz="2400" b="1" dirty="0">
-                    <a:latin typeface="Cambria Math" panose="02040503050406030204" pitchFamily="18" charset="0"/>
-                  </a:rPr>
-                  <a:t>type </a:t>
-                </a:r>
-                <a14:m>
-                  <m:oMath xmlns:m="http://schemas.openxmlformats.org/officeDocument/2006/math">
-                    <m:r>
-                      <a:rPr lang="en-US" sz="2400" b="0" i="1" smtClean="0">
-                        <a:latin typeface="Cambria Math" panose="02040503050406030204" pitchFamily="18" charset="0"/>
-                      </a:rPr>
-                      <m:t>→</m:t>
-                    </m:r>
-                  </m:oMath>
-                </a14:m>
-                <a:r>
-                  <a:rPr lang="en-US" sz="2400" dirty="0">
-                    <a:latin typeface="Cambria Math" panose="02040503050406030204" pitchFamily="18" charset="0"/>
-                  </a:rPr>
-                  <a:t>  </a:t>
-                </a:r>
-                <a:r>
-                  <a:rPr lang="en-US" sz="2400" b="1" dirty="0" err="1">
-                    <a:latin typeface="Cambria Math" panose="02040503050406030204" pitchFamily="18" charset="0"/>
-                  </a:rPr>
-                  <a:t>stmt</a:t>
-                </a:r>
-                <a:r>
-                  <a:rPr lang="en-US" sz="2400" b="1" dirty="0">
-                    <a:latin typeface="Cambria Math" panose="02040503050406030204" pitchFamily="18" charset="0"/>
-                  </a:rPr>
-                  <a:t> </a:t>
-                </a:r>
-              </a:p>
-              <a:p>
-                <a:endParaRPr lang="en-US" sz="2400" b="1" dirty="0">
-                  <a:latin typeface="Cambria Math" panose="02040503050406030204" pitchFamily="18" charset="0"/>
-                </a:endParaRPr>
-              </a:p>
-              <a:p>
-                <a:r>
-                  <a:rPr lang="en-US" sz="2400" b="1" dirty="0" err="1">
-                    <a:latin typeface="Cambria Math" panose="02040503050406030204" pitchFamily="18" charset="0"/>
-                  </a:rPr>
-                  <a:t>stmts</a:t>
-                </a:r>
-                <a:r>
-                  <a:rPr lang="en-US" sz="2400" b="1" dirty="0">
-                    <a:latin typeface="Cambria Math" panose="02040503050406030204" pitchFamily="18" charset="0"/>
-                  </a:rPr>
-                  <a:t>          </a:t>
-                </a:r>
-                <a:r>
-                  <a:rPr lang="en-US" sz="2400" b="1" dirty="0" err="1">
-                    <a:latin typeface="Cambria Math" panose="02040503050406030204" pitchFamily="18" charset="0"/>
-                  </a:rPr>
-                  <a:t>stmt</a:t>
-                </a:r>
-                <a:r>
-                  <a:rPr lang="en-US" sz="2400" b="1" dirty="0">
-                    <a:latin typeface="Cambria Math" panose="02040503050406030204" pitchFamily="18" charset="0"/>
-                  </a:rPr>
-                  <a:t>* </a:t>
-                </a:r>
-              </a:p>
-              <a:p>
-                <a:endParaRPr lang="en-US" sz="2400" dirty="0">
-                  <a:latin typeface="Cambria Math" panose="02040503050406030204" pitchFamily="18" charset="0"/>
-                </a:endParaRPr>
-              </a:p>
-            </p:txBody>
-          </p:sp>
-        </mc:Choice>
-        <mc:Fallback xmlns="">
-          <p:sp>
-            <p:nvSpPr>
-              <p:cNvPr id="4" name="TextBox 3">
-                <a:extLst>
-                  <a:ext uri="{FF2B5EF4-FFF2-40B4-BE49-F238E27FC236}">
-                    <a16:creationId xmlns:a16="http://schemas.microsoft.com/office/drawing/2014/main" id="{899933F3-37BB-4861-8809-E0568D56DE11}"/>
-                  </a:ext>
-                </a:extLst>
-              </p:cNvPr>
-              <p:cNvSpPr txBox="1">
-                <a:spLocks noRot="1" noChangeAspect="1" noMove="1" noResize="1" noEditPoints="1" noAdjustHandles="1" noChangeArrowheads="1" noChangeShapeType="1" noTextEdit="1"/>
-              </p:cNvSpPr>
-              <p:nvPr/>
-            </p:nvSpPr>
-            <p:spPr>
-              <a:xfrm>
-                <a:off x="6839381" y="1690688"/>
-                <a:ext cx="4874042" cy="2369880"/>
-              </a:xfrm>
-              <a:prstGeom prst="rect">
-                <a:avLst/>
-              </a:prstGeom>
-              <a:blipFill>
-                <a:blip r:embed="rId2"/>
-                <a:stretch>
-                  <a:fillRect l="-2003" t="-2314"/>
-                </a:stretch>
-              </a:blipFill>
-            </p:spPr>
-            <p:txBody>
-              <a:bodyPr/>
-              <a:lstStyle/>
-              <a:p>
-                <a:r>
-                  <a:rPr lang="en-US">
-                    <a:noFill/>
-                  </a:rPr>
-                  <a:t> </a:t>
-                </a:r>
-              </a:p>
-            </p:txBody>
-          </p:sp>
-        </mc:Fallback>
-      </mc:AlternateContent>
     </p:spTree>
     <p:extLst>
       <p:ext uri="{BB962C8B-B14F-4D97-AF65-F5344CB8AC3E}">
